--- a/lec06/lec06.pptx
+++ b/lec06/lec06.pptx
@@ -5,18 +5,17 @@
     <p:sldMasterId id="2147483795" r:id="rId1"/>
   </p:sldMasterIdLst>
   <p:notesMasterIdLst>
-    <p:notesMasterId r:id="rId11"/>
+    <p:notesMasterId r:id="rId10"/>
   </p:notesMasterIdLst>
   <p:sldIdLst>
     <p:sldId id="256" r:id="rId2"/>
     <p:sldId id="262" r:id="rId3"/>
     <p:sldId id="263" r:id="rId4"/>
     <p:sldId id="259" r:id="rId5"/>
-    <p:sldId id="261" r:id="rId6"/>
-    <p:sldId id="264" r:id="rId7"/>
-    <p:sldId id="265" r:id="rId8"/>
-    <p:sldId id="266" r:id="rId9"/>
-    <p:sldId id="267" r:id="rId10"/>
+    <p:sldId id="264" r:id="rId6"/>
+    <p:sldId id="265" r:id="rId7"/>
+    <p:sldId id="266" r:id="rId8"/>
+    <p:sldId id="267" r:id="rId9"/>
   </p:sldIdLst>
   <p:sldSz cx="12192000" cy="6858000"/>
   <p:notesSz cx="6858000" cy="9144000"/>
@@ -213,7 +212,7 @@
           <a:p>
             <a:fld id="{04FFE712-A26B-0143-8ED7-35E624D38358}" type="datetimeFigureOut">
               <a:rPr lang="en-US" smtClean="0"/>
-              <a:t>7/10/20</a:t>
+              <a:t>7/13/20</a:t>
             </a:fld>
             <a:endParaRPr lang="en-US"/>
           </a:p>
@@ -575,7 +574,7 @@
           <a:effectLst/>
           <a:extLst>
             <a:ext uri="{91240B29-F687-4f45-9708-019B960494DF}">
-              <a14:hiddenLine xmlns:a14="http://schemas.microsoft.com/office/drawing/2010/main" xmlns="" w="9525">
+              <a14:hiddenLine xmlns="" xmlns:a14="http://schemas.microsoft.com/office/drawing/2010/main" w="9525">
                 <a:solidFill>
                   <a:srgbClr val="000000"/>
                 </a:solidFill>
@@ -767,7 +766,7 @@
           <a:p>
             <a:fld id="{BCCC848F-6185-D24C-8AC6-1AEBBA8AB9E9}" type="datetimeFigureOut">
               <a:rPr lang="en-US" smtClean="0"/>
-              <a:t>7/10/20</a:t>
+              <a:t>7/13/20</a:t>
             </a:fld>
             <a:endParaRPr lang="en-US"/>
           </a:p>
@@ -1085,7 +1084,7 @@
           <a:p>
             <a:fld id="{BCCC848F-6185-D24C-8AC6-1AEBBA8AB9E9}" type="datetimeFigureOut">
               <a:rPr lang="en-US" smtClean="0"/>
-              <a:t>7/10/20</a:t>
+              <a:t>7/13/20</a:t>
             </a:fld>
             <a:endParaRPr lang="en-US"/>
           </a:p>
@@ -1573,7 +1572,7 @@
           <a:p>
             <a:fld id="{BCCC848F-6185-D24C-8AC6-1AEBBA8AB9E9}" type="datetimeFigureOut">
               <a:rPr lang="en-US" smtClean="0"/>
-              <a:t>7/10/20</a:t>
+              <a:t>7/13/20</a:t>
             </a:fld>
             <a:endParaRPr lang="en-US"/>
           </a:p>
@@ -1942,7 +1941,7 @@
           <a:p>
             <a:fld id="{BCCC848F-6185-D24C-8AC6-1AEBBA8AB9E9}" type="datetimeFigureOut">
               <a:rPr lang="en-US" smtClean="0"/>
-              <a:t>7/10/20</a:t>
+              <a:t>7/13/20</a:t>
             </a:fld>
             <a:endParaRPr lang="en-US"/>
           </a:p>
@@ -2097,7 +2096,7 @@
           <a:ln/>
           <a:extLst>
             <a:ext uri="{91240B29-F687-4f45-9708-019B960494DF}">
-              <a14:hiddenLine xmlns:a14="http://schemas.microsoft.com/office/drawing/2010/main" xmlns="" w="9525">
+              <a14:hiddenLine xmlns="" xmlns:a14="http://schemas.microsoft.com/office/drawing/2010/main" w="9525">
                 <a:solidFill>
                   <a:srgbClr val="000000"/>
                 </a:solidFill>
@@ -2215,7 +2214,7 @@
           <a:p>
             <a:fld id="{BCCC848F-6185-D24C-8AC6-1AEBBA8AB9E9}" type="datetimeFigureOut">
               <a:rPr lang="en-US" smtClean="0"/>
-              <a:t>7/10/20</a:t>
+              <a:t>7/13/20</a:t>
             </a:fld>
             <a:endParaRPr lang="en-US"/>
           </a:p>
@@ -2372,7 +2371,7 @@
           <a:ln/>
           <a:extLst>
             <a:ext uri="{91240B29-F687-4f45-9708-019B960494DF}">
-              <a14:hiddenLine xmlns:a14="http://schemas.microsoft.com/office/drawing/2010/main" xmlns="" w="9525">
+              <a14:hiddenLine xmlns="" xmlns:a14="http://schemas.microsoft.com/office/drawing/2010/main" w="9525">
                 <a:solidFill>
                   <a:srgbClr val="000000"/>
                 </a:solidFill>
@@ -2500,7 +2499,7 @@
           <a:p>
             <a:fld id="{BCCC848F-6185-D24C-8AC6-1AEBBA8AB9E9}" type="datetimeFigureOut">
               <a:rPr lang="en-US" smtClean="0"/>
-              <a:t>7/10/20</a:t>
+              <a:t>7/13/20</a:t>
             </a:fld>
             <a:endParaRPr lang="en-US"/>
           </a:p>
@@ -2655,7 +2654,7 @@
           <a:ln/>
           <a:extLst>
             <a:ext uri="{91240B29-F687-4f45-9708-019B960494DF}">
-              <a14:hiddenLine xmlns:a14="http://schemas.microsoft.com/office/drawing/2010/main" xmlns="" w="9525">
+              <a14:hiddenLine xmlns="" xmlns:a14="http://schemas.microsoft.com/office/drawing/2010/main" w="9525">
                 <a:solidFill>
                   <a:srgbClr val="000000"/>
                 </a:solidFill>
@@ -2783,7 +2782,7 @@
           <a:p>
             <a:fld id="{BCCC848F-6185-D24C-8AC6-1AEBBA8AB9E9}" type="datetimeFigureOut">
               <a:rPr lang="en-US" smtClean="0"/>
-              <a:t>7/10/20</a:t>
+              <a:t>7/13/20</a:t>
             </a:fld>
             <a:endParaRPr lang="en-US"/>
           </a:p>
@@ -3126,7 +3125,7 @@
           <a:p>
             <a:fld id="{BCCC848F-6185-D24C-8AC6-1AEBBA8AB9E9}" type="datetimeFigureOut">
               <a:rPr lang="en-US" smtClean="0"/>
-              <a:t>7/10/20</a:t>
+              <a:t>7/13/20</a:t>
             </a:fld>
             <a:endParaRPr lang="en-US"/>
           </a:p>
@@ -3281,7 +3280,7 @@
           <a:ln/>
           <a:extLst>
             <a:ext uri="{91240B29-F687-4f45-9708-019B960494DF}">
-              <a14:hiddenLine xmlns:a14="http://schemas.microsoft.com/office/drawing/2010/main" xmlns="" w="9525">
+              <a14:hiddenLine xmlns="" xmlns:a14="http://schemas.microsoft.com/office/drawing/2010/main" w="9525">
                 <a:solidFill>
                   <a:srgbClr val="000000"/>
                 </a:solidFill>
@@ -3465,7 +3464,7 @@
           <a:p>
             <a:fld id="{BCCC848F-6185-D24C-8AC6-1AEBBA8AB9E9}" type="datetimeFigureOut">
               <a:rPr lang="en-US" smtClean="0"/>
-              <a:t>7/10/20</a:t>
+              <a:t>7/13/20</a:t>
             </a:fld>
             <a:endParaRPr lang="en-US"/>
           </a:p>
@@ -3620,7 +3619,7 @@
           <a:ln/>
           <a:extLst>
             <a:ext uri="{91240B29-F687-4f45-9708-019B960494DF}">
-              <a14:hiddenLine xmlns:a14="http://schemas.microsoft.com/office/drawing/2010/main" xmlns="" w="9525">
+              <a14:hiddenLine xmlns="" xmlns:a14="http://schemas.microsoft.com/office/drawing/2010/main" w="9525">
                 <a:solidFill>
                   <a:srgbClr val="000000"/>
                 </a:solidFill>
@@ -3942,7 +3941,7 @@
           <a:p>
             <a:fld id="{BCCC848F-6185-D24C-8AC6-1AEBBA8AB9E9}" type="datetimeFigureOut">
               <a:rPr lang="en-US" smtClean="0"/>
-              <a:t>7/10/20</a:t>
+              <a:t>7/13/20</a:t>
             </a:fld>
             <a:endParaRPr lang="en-US"/>
           </a:p>
@@ -4097,7 +4096,7 @@
           <a:ln/>
           <a:extLst>
             <a:ext uri="{91240B29-F687-4f45-9708-019B960494DF}">
-              <a14:hiddenLine xmlns:a14="http://schemas.microsoft.com/office/drawing/2010/main" xmlns="" w="9525">
+              <a14:hiddenLine xmlns="" xmlns:a14="http://schemas.microsoft.com/office/drawing/2010/main" w="9525">
                 <a:solidFill>
                   <a:srgbClr val="000000"/>
                 </a:solidFill>
@@ -4163,7 +4162,7 @@
           <a:p>
             <a:fld id="{BCCC848F-6185-D24C-8AC6-1AEBBA8AB9E9}" type="datetimeFigureOut">
               <a:rPr lang="en-US" smtClean="0"/>
-              <a:t>7/10/20</a:t>
+              <a:t>7/13/20</a:t>
             </a:fld>
             <a:endParaRPr lang="en-US"/>
           </a:p>
@@ -4258,7 +4257,7 @@
           <a:p>
             <a:fld id="{BCCC848F-6185-D24C-8AC6-1AEBBA8AB9E9}" type="datetimeFigureOut">
               <a:rPr lang="en-US" smtClean="0"/>
-              <a:t>7/10/20</a:t>
+              <a:t>7/13/20</a:t>
             </a:fld>
             <a:endParaRPr lang="en-US"/>
           </a:p>
@@ -4526,7 +4525,7 @@
           <a:ln/>
           <a:extLst>
             <a:ext uri="{91240B29-F687-4f45-9708-019B960494DF}">
-              <a14:hiddenLine xmlns:a14="http://schemas.microsoft.com/office/drawing/2010/main" xmlns="" w="9525">
+              <a14:hiddenLine xmlns="" xmlns:a14="http://schemas.microsoft.com/office/drawing/2010/main" w="9525">
                 <a:solidFill>
                   <a:srgbClr val="000000"/>
                 </a:solidFill>
@@ -4725,7 +4724,7 @@
           <a:p>
             <a:fld id="{BCCC848F-6185-D24C-8AC6-1AEBBA8AB9E9}" type="datetimeFigureOut">
               <a:rPr lang="en-US" smtClean="0"/>
-              <a:t>7/10/20</a:t>
+              <a:t>7/13/20</a:t>
             </a:fld>
             <a:endParaRPr lang="en-US"/>
           </a:p>
@@ -5038,7 +5037,7 @@
           <a:p>
             <a:fld id="{BCCC848F-6185-D24C-8AC6-1AEBBA8AB9E9}" type="datetimeFigureOut">
               <a:rPr lang="en-US" smtClean="0"/>
-              <a:t>7/10/20</a:t>
+              <a:t>7/13/20</a:t>
             </a:fld>
             <a:endParaRPr lang="en-US"/>
           </a:p>
@@ -5308,7 +5307,7 @@
           <a:p>
             <a:fld id="{BCCC848F-6185-D24C-8AC6-1AEBBA8AB9E9}" type="datetimeFigureOut">
               <a:rPr lang="en-US" smtClean="0"/>
-              <a:t>7/10/20</a:t>
+              <a:t>7/13/20</a:t>
             </a:fld>
             <a:endParaRPr lang="en-US"/>
           </a:p>
@@ -5767,10 +5766,10 @@
           <p:cNvPr id="8" name="Rectangle 7">
             <a:extLst>
               <a:ext uri="{FF2B5EF4-FFF2-40B4-BE49-F238E27FC236}">
-                <a16:creationId xmlns:a16="http://schemas.microsoft.com/office/drawing/2014/main" xmlns="" id="{597EA66B-2AAB-42B0-9F9D-38920D8D82D7}"/>
+                <a16:creationId xmlns="" xmlns:a16="http://schemas.microsoft.com/office/drawing/2014/main" id="{597EA66B-2AAB-42B0-9F9D-38920D8D82D7}"/>
               </a:ext>
               <a:ext uri="{C183D7F6-B498-43B3-948B-1728B52AA6E4}">
-                <adec:decorative xmlns:adec="http://schemas.microsoft.com/office/drawing/2017/decorative" xmlns="" val="1"/>
+                <adec:decorative xmlns="" xmlns:adec="http://schemas.microsoft.com/office/drawing/2017/decorative" val="1"/>
               </a:ext>
             </a:extLst>
           </p:cNvPr>
@@ -5823,7 +5822,7 @@
           <p:cNvPr id="2" name="Title 1">
             <a:extLst>
               <a:ext uri="{FF2B5EF4-FFF2-40B4-BE49-F238E27FC236}">
-                <a16:creationId xmlns:a16="http://schemas.microsoft.com/office/drawing/2014/main" xmlns="" id="{FD7674F6-73A9-0648-A682-1E6E87D11949}"/>
+                <a16:creationId xmlns="" xmlns:a16="http://schemas.microsoft.com/office/drawing/2014/main" id="{FD7674F6-73A9-0648-A682-1E6E87D11949}"/>
               </a:ext>
             </a:extLst>
           </p:cNvPr>
@@ -5904,10 +5903,10 @@
           <p:cNvPr id="10" name="Freeform: Shape 9">
             <a:extLst>
               <a:ext uri="{FF2B5EF4-FFF2-40B4-BE49-F238E27FC236}">
-                <a16:creationId xmlns:a16="http://schemas.microsoft.com/office/drawing/2014/main" xmlns="" id="{D360EBE3-31BB-422F-AA87-FA3873DAE484}"/>
+                <a16:creationId xmlns="" xmlns:a16="http://schemas.microsoft.com/office/drawing/2014/main" id="{D360EBE3-31BB-422F-AA87-FA3873DAE484}"/>
               </a:ext>
               <a:ext uri="{C183D7F6-B498-43B3-948B-1728B52AA6E4}">
-                <adec:decorative xmlns:adec="http://schemas.microsoft.com/office/drawing/2017/decorative" xmlns="" val="1"/>
+                <adec:decorative xmlns="" xmlns:adec="http://schemas.microsoft.com/office/drawing/2017/decorative" val="1"/>
               </a:ext>
             </a:extLst>
           </p:cNvPr>
@@ -6095,7 +6094,7 @@
           <a:effectLst/>
           <a:extLst>
             <a:ext uri="{91240B29-F687-4f45-9708-019B960494DF}">
-              <a14:hiddenLine xmlns="" xmlns:a16="http://schemas.microsoft.com/office/drawing/2014/main" xmlns:p14="http://schemas.microsoft.com/office/powerpoint/2010/main" xmlns:a14="http://schemas.microsoft.com/office/drawing/2010/main" w="9525">
+              <a14:hiddenLine xmlns:a14="http://schemas.microsoft.com/office/drawing/2010/main" xmlns:p14="http://schemas.microsoft.com/office/powerpoint/2010/main" xmlns:a16="http://schemas.microsoft.com/office/drawing/2014/main" xmlns="" w="9525">
                 <a:solidFill>
                   <a:srgbClr val="000000"/>
                 </a:solidFill>
@@ -7382,7 +7381,7 @@
           <p:cNvPr id="2" name="Title 1">
             <a:extLst>
               <a:ext uri="{FF2B5EF4-FFF2-40B4-BE49-F238E27FC236}">
-                <a16:creationId xmlns:a16="http://schemas.microsoft.com/office/drawing/2014/main" xmlns="" id="{253967F2-5A0B-C248-8CB9-CD7AEEE78A10}"/>
+                <a16:creationId xmlns="" xmlns:a16="http://schemas.microsoft.com/office/drawing/2014/main" id="{253967F2-5A0B-C248-8CB9-CD7AEEE78A10}"/>
               </a:ext>
             </a:extLst>
           </p:cNvPr>
@@ -7421,7 +7420,7 @@
           <p:cNvPr id="7" name="TextBox 6">
             <a:extLst>
               <a:ext uri="{FF2B5EF4-FFF2-40B4-BE49-F238E27FC236}">
-                <a16:creationId xmlns:a16="http://schemas.microsoft.com/office/drawing/2014/main" xmlns="" id="{510B8844-AC57-4C4B-BBBA-383430EEFAF9}"/>
+                <a16:creationId xmlns="" xmlns:a16="http://schemas.microsoft.com/office/drawing/2014/main" id="{510B8844-AC57-4C4B-BBBA-383430EEFAF9}"/>
               </a:ext>
             </a:extLst>
           </p:cNvPr>
@@ -7475,81 +7474,61 @@
               <a:t> = </a:t>
             </a:r>
             <a:r>
-              <a:rPr lang="en-US" dirty="0" err="1">
+              <a:rPr lang="en-US" dirty="0" err="1" smtClean="0">
                 <a:latin typeface="Courier" pitchFamily="2" charset="0"/>
               </a:rPr>
-              <a:t>turtle.Pen</a:t>
-            </a:r>
-            <a:r>
-              <a:rPr lang="en-US" dirty="0">
+              <a:t>turtle.</a:t>
+            </a:r>
+            <a:r>
+              <a:rPr lang="en-US" altLang="zh-CN" dirty="0" err="1" smtClean="0">
                 <a:latin typeface="Courier" pitchFamily="2" charset="0"/>
               </a:rPr>
+              <a:t>Turtle</a:t>
+            </a:r>
+            <a:r>
+              <a:rPr lang="en-US" dirty="0" smtClean="0">
+                <a:latin typeface="Courier" pitchFamily="2" charset="0"/>
+              </a:rPr>
               <a:t>()</a:t>
             </a:r>
-          </a:p>
-          <a:p>
             <a:endParaRPr lang="en-US" dirty="0">
               <a:latin typeface="Courier" pitchFamily="2" charset="0"/>
             </a:endParaRPr>
           </a:p>
           <a:p>
-            <a:r>
-              <a:rPr lang="en-US" dirty="0" err="1">
-                <a:latin typeface="Courier" pitchFamily="2" charset="0"/>
-              </a:rPr>
-              <a:t>fred.shape</a:t>
-            </a:r>
-            <a:r>
-              <a:rPr lang="en-US" dirty="0">
-                <a:latin typeface="Courier" pitchFamily="2" charset="0"/>
-              </a:rPr>
-              <a:t>(“turtle”)</a:t>
-            </a:r>
-          </a:p>
-          <a:p>
-            <a:r>
-              <a:rPr lang="en-US" dirty="0" err="1">
-                <a:latin typeface="Courier" pitchFamily="2" charset="0"/>
-              </a:rPr>
-              <a:t>fred.width</a:t>
-            </a:r>
-            <a:r>
-              <a:rPr lang="en-US" dirty="0">
-                <a:latin typeface="Courier" pitchFamily="2" charset="0"/>
-              </a:rPr>
-              <a:t>(3)</a:t>
-            </a:r>
-          </a:p>
-          <a:p>
             <a:endParaRPr lang="en-US" dirty="0">
               <a:latin typeface="Courier" pitchFamily="2" charset="0"/>
             </a:endParaRPr>
           </a:p>
           <a:p>
             <a:r>
-              <a:rPr lang="en-US" dirty="0">
-                <a:latin typeface="Courier" pitchFamily="2" charset="0"/>
-              </a:rPr>
-              <a:t>for </a:t>
-            </a:r>
-            <a:r>
               <a:rPr lang="en-US" dirty="0" err="1">
                 <a:latin typeface="Courier" pitchFamily="2" charset="0"/>
               </a:rPr>
-              <a:t>i</a:t>
+              <a:t>fred.shape</a:t>
             </a:r>
             <a:r>
               <a:rPr lang="en-US" dirty="0">
                 <a:latin typeface="Courier" pitchFamily="2" charset="0"/>
               </a:rPr>
-              <a:t> in range(4):  # Draw </a:t>
-            </a:r>
-            <a:r>
-              <a:rPr lang="en-US" dirty="0" smtClean="0">
+              <a:t>(“turtle”)</a:t>
+            </a:r>
+          </a:p>
+          <a:p>
+            <a:r>
+              <a:rPr lang="en-US" dirty="0" err="1">
                 <a:latin typeface="Courier" pitchFamily="2" charset="0"/>
               </a:rPr>
-              <a:t>a square</a:t>
-            </a:r>
+              <a:t>fred.width</a:t>
+            </a:r>
+            <a:r>
+              <a:rPr lang="en-US" dirty="0">
+                <a:latin typeface="Courier" pitchFamily="2" charset="0"/>
+              </a:rPr>
+              <a:t>(3)</a:t>
+            </a:r>
+          </a:p>
+          <a:p>
             <a:endParaRPr lang="en-US" dirty="0">
               <a:latin typeface="Courier" pitchFamily="2" charset="0"/>
             </a:endParaRPr>
@@ -7557,18 +7536,71 @@
           <a:p>
             <a:r>
               <a:rPr lang="en-US" dirty="0">
+                <a:solidFill>
+                  <a:srgbClr val="FF0000"/>
+                </a:solidFill>
                 <a:latin typeface="Courier" pitchFamily="2" charset="0"/>
               </a:rPr>
+              <a:t>for </a:t>
+            </a:r>
+            <a:r>
+              <a:rPr lang="en-US" dirty="0" err="1">
+                <a:solidFill>
+                  <a:srgbClr val="FF0000"/>
+                </a:solidFill>
+                <a:latin typeface="Courier" pitchFamily="2" charset="0"/>
+              </a:rPr>
+              <a:t>i</a:t>
+            </a:r>
+            <a:r>
+              <a:rPr lang="en-US" dirty="0">
+                <a:solidFill>
+                  <a:srgbClr val="FF0000"/>
+                </a:solidFill>
+                <a:latin typeface="Courier" pitchFamily="2" charset="0"/>
+              </a:rPr>
+              <a:t> in range(4):  # Draw </a:t>
+            </a:r>
+            <a:r>
+              <a:rPr lang="en-US" dirty="0" smtClean="0">
+                <a:solidFill>
+                  <a:srgbClr val="FF0000"/>
+                </a:solidFill>
+                <a:latin typeface="Courier" pitchFamily="2" charset="0"/>
+              </a:rPr>
+              <a:t>a square</a:t>
+            </a:r>
+            <a:endParaRPr lang="en-US" dirty="0">
+              <a:solidFill>
+                <a:srgbClr val="FF0000"/>
+              </a:solidFill>
+              <a:latin typeface="Courier" pitchFamily="2" charset="0"/>
+            </a:endParaRPr>
+          </a:p>
+          <a:p>
+            <a:r>
+              <a:rPr lang="en-US" dirty="0">
+                <a:solidFill>
+                  <a:srgbClr val="FF0000"/>
+                </a:solidFill>
+                <a:latin typeface="Courier" pitchFamily="2" charset="0"/>
+              </a:rPr>
               <a:t>	</a:t>
             </a:r>
             <a:r>
               <a:rPr lang="en-US" dirty="0" err="1">
+                <a:solidFill>
+                  <a:srgbClr val="FF0000"/>
+                </a:solidFill>
                 <a:latin typeface="Courier" pitchFamily="2" charset="0"/>
               </a:rPr>
               <a:t>fred.forward</a:t>
             </a:r>
             <a:r>
               <a:rPr lang="en-US" dirty="0">
+                <a:solidFill>
+                  <a:srgbClr val="FF0000"/>
+                </a:solidFill>
                 <a:latin typeface="Courier" pitchFamily="2" charset="0"/>
               </a:rPr>
               <a:t>(100)</a:t>
@@ -7577,18 +7609,27 @@
           <a:p>
             <a:r>
               <a:rPr lang="en-US" dirty="0">
+                <a:solidFill>
+                  <a:srgbClr val="FF0000"/>
+                </a:solidFill>
                 <a:latin typeface="Courier" pitchFamily="2" charset="0"/>
               </a:rPr>
               <a:t>	</a:t>
             </a:r>
             <a:r>
               <a:rPr lang="en-US" dirty="0" err="1">
+                <a:solidFill>
+                  <a:srgbClr val="FF0000"/>
+                </a:solidFill>
                 <a:latin typeface="Courier" pitchFamily="2" charset="0"/>
               </a:rPr>
               <a:t>fred.left</a:t>
             </a:r>
             <a:r>
               <a:rPr lang="en-US" dirty="0">
+                <a:solidFill>
+                  <a:srgbClr val="FF0000"/>
+                </a:solidFill>
                 <a:latin typeface="Courier" pitchFamily="2" charset="0"/>
               </a:rPr>
               <a:t>(90)</a:t>
@@ -7685,7 +7726,7 @@
           <p:cNvPr id="5" name="TextBox 4">
             <a:extLst>
               <a:ext uri="{FF2B5EF4-FFF2-40B4-BE49-F238E27FC236}">
-                <a16:creationId xmlns:a16="http://schemas.microsoft.com/office/drawing/2014/main" xmlns="" id="{A0CB9EE0-96D6-EF40-ABC6-D3289A3E1AD8}"/>
+                <a16:creationId xmlns="" xmlns:a16="http://schemas.microsoft.com/office/drawing/2014/main" id="{A0CB9EE0-96D6-EF40-ABC6-D3289A3E1AD8}"/>
               </a:ext>
             </a:extLst>
           </p:cNvPr>
@@ -7694,8 +7735,8 @@
         </p:nvSpPr>
         <p:spPr>
           <a:xfrm>
-            <a:off x="6709318" y="2065515"/>
-            <a:ext cx="5241073" cy="4247317"/>
+            <a:off x="6709318" y="1974075"/>
+            <a:ext cx="5241073" cy="4801314"/>
           </a:xfrm>
           <a:prstGeom prst="rect">
             <a:avLst/>
@@ -7739,17 +7780,20 @@
               <a:t> = </a:t>
             </a:r>
             <a:r>
-              <a:rPr lang="en-US" dirty="0" err="1">
+              <a:rPr lang="en-US" dirty="0" err="1" smtClean="0">
                 <a:latin typeface="Courier" pitchFamily="2" charset="0"/>
               </a:rPr>
-              <a:t>turtle.Pen</a:t>
-            </a:r>
-            <a:r>
-              <a:rPr lang="en-US" dirty="0">
+              <a:t>turtle.Turtle</a:t>
+            </a:r>
+            <a:r>
+              <a:rPr lang="en-US" dirty="0" smtClean="0">
                 <a:latin typeface="Courier" pitchFamily="2" charset="0"/>
               </a:rPr>
               <a:t>()</a:t>
             </a:r>
+            <a:endParaRPr lang="en-US" dirty="0">
+              <a:latin typeface="Courier" pitchFamily="2" charset="0"/>
+            </a:endParaRPr>
           </a:p>
           <a:p>
             <a:endParaRPr lang="en-US" dirty="0">
@@ -7945,11 +7989,16 @@
               <a:t>100</a:t>
             </a:r>
             <a:r>
-              <a:rPr lang="en-US" dirty="0">
+              <a:rPr lang="en-US" dirty="0" smtClean="0">
                 <a:latin typeface="Courier" pitchFamily="2" charset="0"/>
               </a:rPr>
               <a:t>)</a:t>
             </a:r>
+          </a:p>
+          <a:p>
+            <a:endParaRPr lang="en-US" dirty="0">
+              <a:latin typeface="Courier" pitchFamily="2" charset="0"/>
+            </a:endParaRPr>
           </a:p>
           <a:p>
             <a:r>
@@ -7974,11 +8023,16 @@
               <a:t>200</a:t>
             </a:r>
             <a:r>
-              <a:rPr lang="en-US" dirty="0">
+              <a:rPr lang="en-US" dirty="0" smtClean="0">
                 <a:latin typeface="Courier" pitchFamily="2" charset="0"/>
               </a:rPr>
               <a:t>)</a:t>
             </a:r>
+          </a:p>
+          <a:p>
+            <a:endParaRPr lang="en-US" dirty="0">
+              <a:latin typeface="Courier" pitchFamily="2" charset="0"/>
+            </a:endParaRPr>
           </a:p>
           <a:p>
             <a:r>
@@ -8010,7 +8064,7 @@
           <p:cNvPr id="3" name="Right Arrow 2">
             <a:extLst>
               <a:ext uri="{FF2B5EF4-FFF2-40B4-BE49-F238E27FC236}">
-                <a16:creationId xmlns:a16="http://schemas.microsoft.com/office/drawing/2014/main" xmlns="" id="{95F46E81-E9EA-3048-843C-9A9AC5F10F44}"/>
+                <a16:creationId xmlns="" xmlns:a16="http://schemas.microsoft.com/office/drawing/2014/main" id="{95F46E81-E9EA-3048-843C-9A9AC5F10F44}"/>
               </a:ext>
             </a:extLst>
           </p:cNvPr>
@@ -8107,904 +8161,81 @@
       </p:grpSpPr>
       <p:sp>
         <p:nvSpPr>
-          <p:cNvPr id="5" name="TextBox 4">
-            <a:extLst>
-              <a:ext uri="{FF2B5EF4-FFF2-40B4-BE49-F238E27FC236}">
-                <a16:creationId xmlns:a16="http://schemas.microsoft.com/office/drawing/2014/main" xmlns="" id="{A0CB9EE0-96D6-EF40-ABC6-D3289A3E1AD8}"/>
-              </a:ext>
-            </a:extLst>
-          </p:cNvPr>
-          <p:cNvSpPr txBox="1"/>
+          <p:cNvPr id="2" name="Title 1"/>
+          <p:cNvSpPr>
+            <a:spLocks noGrp="1"/>
+          </p:cNvSpPr>
+          <p:nvPr>
+            <p:ph type="title"/>
+          </p:nvPr>
+        </p:nvSpPr>
+        <p:spPr/>
+        <p:txBody>
+          <a:bodyPr/>
+          <a:lstStyle/>
+          <a:p>
+            <a:r>
+              <a:rPr lang="en-US" b="0" dirty="0"/>
+              <a:t>Python </a:t>
+            </a:r>
+            <a:r>
+              <a:rPr lang="en-US" b="0" dirty="0" smtClean="0"/>
+              <a:t>Classes/Objects</a:t>
+            </a:r>
+            <a:endParaRPr lang="en-US" dirty="0"/>
+          </a:p>
+        </p:txBody>
+      </p:sp>
+      <p:sp>
+        <p:nvSpPr>
+          <p:cNvPr id="4" name="Rectangle 3"/>
+          <p:cNvSpPr/>
           <p:nvPr/>
         </p:nvSpPr>
         <p:spPr>
           <a:xfrm>
-            <a:off x="385647" y="1852536"/>
-            <a:ext cx="5241073" cy="5016758"/>
+            <a:off x="245165" y="2382222"/>
+            <a:ext cx="4933121" cy="2308324"/>
           </a:xfrm>
           <a:prstGeom prst="rect">
             <a:avLst/>
           </a:prstGeom>
-          <a:noFill/>
-          <a:ln>
-            <a:solidFill>
-              <a:srgbClr val="002060"/>
-            </a:solidFill>
-          </a:ln>
         </p:spPr>
         <p:txBody>
-          <a:bodyPr wrap="square" rtlCol="0">
+          <a:bodyPr wrap="square">
             <a:spAutoFit/>
           </a:bodyPr>
           <a:lstStyle/>
           <a:p>
-            <a:r>
-              <a:rPr lang="en-US" sz="1600" dirty="0">
-                <a:latin typeface="Courier" pitchFamily="2" charset="0"/>
-              </a:rPr>
-              <a:t>import turtle</a:t>
-            </a:r>
-          </a:p>
-          <a:p>
-            <a:r>
-              <a:rPr lang="en-US" sz="1600" dirty="0">
-                <a:latin typeface="Courier" pitchFamily="2" charset="0"/>
-              </a:rPr>
-              <a:t>import random</a:t>
-            </a:r>
-          </a:p>
-          <a:p>
-            <a:r>
-              <a:rPr lang="en-US" sz="1600" dirty="0" err="1">
-                <a:latin typeface="Courier" pitchFamily="2" charset="0"/>
-              </a:rPr>
-              <a:t>fred</a:t>
-            </a:r>
-            <a:r>
-              <a:rPr lang="en-US" sz="1600" dirty="0">
-                <a:latin typeface="Courier" pitchFamily="2" charset="0"/>
-              </a:rPr>
-              <a:t> = </a:t>
-            </a:r>
-            <a:r>
-              <a:rPr lang="en-US" sz="1600" dirty="0" err="1">
-                <a:latin typeface="Courier" pitchFamily="2" charset="0"/>
-              </a:rPr>
-              <a:t>turtle.Pen</a:t>
-            </a:r>
-            <a:r>
-              <a:rPr lang="en-US" sz="1600" dirty="0">
-                <a:latin typeface="Courier" pitchFamily="2" charset="0"/>
-              </a:rPr>
-              <a:t>()</a:t>
-            </a:r>
-          </a:p>
-          <a:p>
-            <a:endParaRPr lang="en-US" sz="1600" dirty="0">
-              <a:latin typeface="Courier" pitchFamily="2" charset="0"/>
-            </a:endParaRPr>
-          </a:p>
-          <a:p>
-            <a:r>
-              <a:rPr lang="en-US" sz="1600" dirty="0" err="1">
-                <a:latin typeface="Courier" pitchFamily="2" charset="0"/>
-              </a:rPr>
-              <a:t>fred.shape</a:t>
-            </a:r>
-            <a:r>
-              <a:rPr lang="en-US" sz="1600" dirty="0">
-                <a:latin typeface="Courier" pitchFamily="2" charset="0"/>
-              </a:rPr>
-              <a:t>(“turtle”)</a:t>
-            </a:r>
-          </a:p>
-          <a:p>
-            <a:r>
-              <a:rPr lang="en-US" sz="1600" dirty="0" err="1">
-                <a:latin typeface="Courier" pitchFamily="2" charset="0"/>
-              </a:rPr>
-              <a:t>fred.width</a:t>
-            </a:r>
-            <a:r>
-              <a:rPr lang="en-US" sz="1600" dirty="0">
-                <a:latin typeface="Courier" pitchFamily="2" charset="0"/>
-              </a:rPr>
-              <a:t>(3)</a:t>
-            </a:r>
-          </a:p>
-          <a:p>
-            <a:r>
-              <a:rPr lang="en-US" sz="1600" dirty="0" err="1">
-                <a:latin typeface="Courier" pitchFamily="2" charset="0"/>
-              </a:rPr>
-              <a:t>fred.speed</a:t>
-            </a:r>
-            <a:r>
-              <a:rPr lang="en-US" sz="1600" dirty="0">
-                <a:latin typeface="Courier" pitchFamily="2" charset="0"/>
-              </a:rPr>
-              <a:t>(0)</a:t>
-            </a:r>
-          </a:p>
-          <a:p>
-            <a:endParaRPr lang="en-US" sz="1600" dirty="0">
-              <a:latin typeface="Courier" pitchFamily="2" charset="0"/>
-            </a:endParaRPr>
-          </a:p>
-          <a:p>
-            <a:r>
-              <a:rPr lang="en-US" sz="1600" b="1" dirty="0">
-                <a:solidFill>
-                  <a:srgbClr val="FF0000"/>
-                </a:solidFill>
-                <a:latin typeface="Courier" pitchFamily="2" charset="0"/>
-              </a:rPr>
-              <a:t>def</a:t>
-            </a:r>
-            <a:r>
-              <a:rPr lang="en-US" sz="1600" dirty="0">
-                <a:latin typeface="Courier" pitchFamily="2" charset="0"/>
-              </a:rPr>
-              <a:t> square(</a:t>
-            </a:r>
-            <a:r>
-              <a:rPr lang="en-US" sz="1600" b="1" dirty="0">
-                <a:solidFill>
-                  <a:srgbClr val="002060"/>
-                </a:solidFill>
-                <a:latin typeface="Courier" pitchFamily="2" charset="0"/>
-              </a:rPr>
-              <a:t>size</a:t>
-            </a:r>
-            <a:r>
-              <a:rPr lang="en-US" sz="1600" dirty="0">
-                <a:latin typeface="Courier" pitchFamily="2" charset="0"/>
-              </a:rPr>
-              <a:t>)</a:t>
-            </a:r>
-            <a:r>
-              <a:rPr lang="en-US" sz="1600" b="1" dirty="0">
-                <a:solidFill>
-                  <a:srgbClr val="FF0000"/>
-                </a:solidFill>
-                <a:latin typeface="Courier" pitchFamily="2" charset="0"/>
-              </a:rPr>
-              <a:t>:   </a:t>
-            </a:r>
-            <a:r>
-              <a:rPr lang="en-US" sz="1600" dirty="0">
-                <a:solidFill>
-                  <a:schemeClr val="accent1">
-                    <a:lumMod val="75000"/>
-                  </a:schemeClr>
-                </a:solidFill>
-                <a:latin typeface="Courier" pitchFamily="2" charset="0"/>
-              </a:rPr>
-              <a:t># draw square</a:t>
-            </a:r>
-            <a:endParaRPr lang="en-US" sz="1600" b="1" dirty="0">
-              <a:solidFill>
-                <a:schemeClr val="accent1">
-                  <a:lumMod val="75000"/>
-                </a:schemeClr>
-              </a:solidFill>
-              <a:latin typeface="Courier" pitchFamily="2" charset="0"/>
-            </a:endParaRPr>
-          </a:p>
-          <a:p>
-            <a:r>
-              <a:rPr lang="en-US" sz="1600" dirty="0">
-                <a:latin typeface="Courier" pitchFamily="2" charset="0"/>
-              </a:rPr>
-              <a:t>	for </a:t>
-            </a:r>
-            <a:r>
-              <a:rPr lang="en-US" sz="1600" dirty="0" err="1">
-                <a:latin typeface="Courier" pitchFamily="2" charset="0"/>
-              </a:rPr>
-              <a:t>i</a:t>
-            </a:r>
-            <a:r>
-              <a:rPr lang="en-US" sz="1600" dirty="0">
-                <a:latin typeface="Courier" pitchFamily="2" charset="0"/>
-              </a:rPr>
-              <a:t> in range(4):</a:t>
-            </a:r>
-          </a:p>
-          <a:p>
-            <a:r>
-              <a:rPr lang="en-US" sz="1600" dirty="0">
-                <a:latin typeface="Courier" pitchFamily="2" charset="0"/>
-              </a:rPr>
-              <a:t>		</a:t>
-            </a:r>
-            <a:r>
-              <a:rPr lang="en-US" sz="1600" dirty="0" err="1">
-                <a:latin typeface="Courier" pitchFamily="2" charset="0"/>
-              </a:rPr>
-              <a:t>fred.forward</a:t>
-            </a:r>
-            <a:r>
-              <a:rPr lang="en-US" sz="1600" dirty="0">
-                <a:latin typeface="Courier" pitchFamily="2" charset="0"/>
-              </a:rPr>
-              <a:t>(</a:t>
-            </a:r>
-            <a:r>
-              <a:rPr lang="en-US" sz="1600" b="1" dirty="0">
-                <a:solidFill>
-                  <a:srgbClr val="002060"/>
-                </a:solidFill>
-                <a:latin typeface="Courier" pitchFamily="2" charset="0"/>
-              </a:rPr>
-              <a:t>size</a:t>
-            </a:r>
-            <a:r>
-              <a:rPr lang="en-US" sz="1600" dirty="0">
-                <a:latin typeface="Courier" pitchFamily="2" charset="0"/>
-              </a:rPr>
-              <a:t>)</a:t>
-            </a:r>
-          </a:p>
-          <a:p>
-            <a:r>
-              <a:rPr lang="en-US" sz="1600" dirty="0">
-                <a:latin typeface="Courier" pitchFamily="2" charset="0"/>
-              </a:rPr>
-              <a:t>		</a:t>
-            </a:r>
-            <a:r>
-              <a:rPr lang="en-US" sz="1600" dirty="0" err="1">
-                <a:latin typeface="Courier" pitchFamily="2" charset="0"/>
-              </a:rPr>
-              <a:t>fred.left</a:t>
-            </a:r>
-            <a:r>
-              <a:rPr lang="en-US" sz="1600" dirty="0">
-                <a:latin typeface="Courier" pitchFamily="2" charset="0"/>
-              </a:rPr>
-              <a:t>(90)</a:t>
-            </a:r>
-          </a:p>
-          <a:p>
-            <a:endParaRPr lang="en-US" sz="1600" dirty="0">
-              <a:latin typeface="Courier" pitchFamily="2" charset="0"/>
-            </a:endParaRPr>
-          </a:p>
-          <a:p>
-            <a:r>
-              <a:rPr lang="en-US" sz="1600" dirty="0">
-                <a:latin typeface="Courier" pitchFamily="2" charset="0"/>
-              </a:rPr>
-              <a:t>for </a:t>
-            </a:r>
-            <a:r>
-              <a:rPr lang="en-US" sz="1600" dirty="0" err="1">
-                <a:latin typeface="Courier" pitchFamily="2" charset="0"/>
-              </a:rPr>
-              <a:t>i</a:t>
-            </a:r>
-            <a:r>
-              <a:rPr lang="en-US" sz="1600" dirty="0">
-                <a:latin typeface="Courier" pitchFamily="2" charset="0"/>
-              </a:rPr>
-              <a:t> in range(100):</a:t>
-            </a:r>
-          </a:p>
-          <a:p>
-            <a:r>
-              <a:rPr lang="en-US" sz="1600" dirty="0">
-                <a:latin typeface="Courier" pitchFamily="2" charset="0"/>
-              </a:rPr>
-              <a:t>	x = </a:t>
-            </a:r>
-            <a:r>
-              <a:rPr lang="en-US" sz="1600" dirty="0" err="1">
-                <a:latin typeface="Courier" pitchFamily="2" charset="0"/>
-              </a:rPr>
-              <a:t>random.randrange</a:t>
-            </a:r>
-            <a:r>
-              <a:rPr lang="en-US" sz="1600" dirty="0">
-                <a:latin typeface="Courier" pitchFamily="2" charset="0"/>
-              </a:rPr>
-              <a:t>(-200,200)</a:t>
-            </a:r>
-          </a:p>
-          <a:p>
-            <a:r>
-              <a:rPr lang="en-US" sz="1600" dirty="0">
-                <a:latin typeface="Courier" pitchFamily="2" charset="0"/>
-              </a:rPr>
-              <a:t>	y = </a:t>
-            </a:r>
-            <a:r>
-              <a:rPr lang="en-US" sz="1600" dirty="0" err="1">
-                <a:latin typeface="Courier" pitchFamily="2" charset="0"/>
-              </a:rPr>
-              <a:t>random.randrange</a:t>
-            </a:r>
-            <a:r>
-              <a:rPr lang="en-US" sz="1600" dirty="0">
-                <a:latin typeface="Courier" pitchFamily="2" charset="0"/>
-              </a:rPr>
-              <a:t>(-200,200)</a:t>
-            </a:r>
-          </a:p>
-          <a:p>
-            <a:r>
-              <a:rPr lang="en-US" sz="1600" dirty="0">
-                <a:latin typeface="Courier" pitchFamily="2" charset="0"/>
-              </a:rPr>
-              <a:t>	</a:t>
-            </a:r>
-            <a:r>
-              <a:rPr lang="en-US" sz="1600" dirty="0" err="1">
-                <a:latin typeface="Courier" pitchFamily="2" charset="0"/>
-              </a:rPr>
-              <a:t>fred.up</a:t>
-            </a:r>
-            <a:r>
-              <a:rPr lang="en-US" sz="1600" dirty="0">
-                <a:latin typeface="Courier" pitchFamily="2" charset="0"/>
-              </a:rPr>
-              <a:t>()       </a:t>
-            </a:r>
-            <a:r>
-              <a:rPr lang="en-US" sz="1600" dirty="0">
-                <a:solidFill>
-                  <a:schemeClr val="accent1">
-                    <a:lumMod val="75000"/>
-                  </a:schemeClr>
-                </a:solidFill>
-                <a:latin typeface="Courier" pitchFamily="2" charset="0"/>
-              </a:rPr>
-              <a:t>#</a:t>
-            </a:r>
-            <a:r>
-              <a:rPr lang="zh-CN" altLang="en-US" sz="1600" dirty="0">
-                <a:solidFill>
-                  <a:schemeClr val="accent1">
-                    <a:lumMod val="75000"/>
-                  </a:schemeClr>
-                </a:solidFill>
-                <a:latin typeface="Courier" pitchFamily="2" charset="0"/>
-              </a:rPr>
-              <a:t> </a:t>
-            </a:r>
-            <a:r>
-              <a:rPr lang="en-US" altLang="zh-CN" sz="1600" dirty="0">
-                <a:solidFill>
-                  <a:schemeClr val="accent1">
-                    <a:lumMod val="75000"/>
-                  </a:schemeClr>
-                </a:solidFill>
-                <a:latin typeface="Courier" pitchFamily="2" charset="0"/>
-              </a:rPr>
-              <a:t>don’t draw</a:t>
-            </a:r>
-            <a:endParaRPr lang="en-US" sz="1600" dirty="0">
-              <a:solidFill>
-                <a:schemeClr val="accent1">
-                  <a:lumMod val="75000"/>
-                </a:schemeClr>
-              </a:solidFill>
-              <a:latin typeface="Courier" pitchFamily="2" charset="0"/>
-            </a:endParaRPr>
-          </a:p>
-          <a:p>
-            <a:r>
-              <a:rPr lang="en-US" sz="1600" dirty="0">
-                <a:latin typeface="Courier" pitchFamily="2" charset="0"/>
-              </a:rPr>
-              <a:t>	</a:t>
-            </a:r>
-            <a:r>
-              <a:rPr lang="en-US" sz="1600" dirty="0" err="1">
-                <a:latin typeface="Courier" pitchFamily="2" charset="0"/>
-              </a:rPr>
-              <a:t>fred.goto</a:t>
-            </a:r>
-            <a:r>
-              <a:rPr lang="en-US" sz="1600" dirty="0">
-                <a:latin typeface="Courier" pitchFamily="2" charset="0"/>
-              </a:rPr>
-              <a:t>(</a:t>
-            </a:r>
-            <a:r>
-              <a:rPr lang="en-US" sz="1600" dirty="0" err="1">
-                <a:latin typeface="Courier" pitchFamily="2" charset="0"/>
-              </a:rPr>
-              <a:t>x,y</a:t>
-            </a:r>
-            <a:r>
-              <a:rPr lang="en-US" sz="1600" dirty="0">
-                <a:latin typeface="Courier" pitchFamily="2" charset="0"/>
-              </a:rPr>
-              <a:t>)</a:t>
-            </a:r>
-          </a:p>
-          <a:p>
-            <a:r>
-              <a:rPr lang="en-US" sz="1600" dirty="0">
-                <a:latin typeface="Courier" pitchFamily="2" charset="0"/>
-              </a:rPr>
-              <a:t>	</a:t>
-            </a:r>
-            <a:r>
-              <a:rPr lang="en-US" sz="1600" dirty="0" err="1">
-                <a:latin typeface="Courier" pitchFamily="2" charset="0"/>
-              </a:rPr>
-              <a:t>fred.down</a:t>
-            </a:r>
-            <a:r>
-              <a:rPr lang="en-US" sz="1600" dirty="0">
-                <a:latin typeface="Courier" pitchFamily="2" charset="0"/>
-              </a:rPr>
-              <a:t>()     </a:t>
-            </a:r>
-            <a:r>
-              <a:rPr lang="en-US" sz="1600" dirty="0">
-                <a:solidFill>
-                  <a:schemeClr val="accent1">
-                    <a:lumMod val="75000"/>
-                  </a:schemeClr>
-                </a:solidFill>
-                <a:latin typeface="Courier" pitchFamily="2" charset="0"/>
-              </a:rPr>
-              <a:t>#</a:t>
-            </a:r>
-            <a:r>
-              <a:rPr lang="zh-CN" altLang="en-US" sz="1600" dirty="0">
-                <a:solidFill>
-                  <a:schemeClr val="accent1">
-                    <a:lumMod val="75000"/>
-                  </a:schemeClr>
-                </a:solidFill>
-                <a:latin typeface="Courier" pitchFamily="2" charset="0"/>
-              </a:rPr>
-              <a:t> </a:t>
-            </a:r>
-            <a:r>
-              <a:rPr lang="en-US" altLang="zh-CN" sz="1600" dirty="0">
-                <a:solidFill>
-                  <a:schemeClr val="accent1">
-                    <a:lumMod val="75000"/>
-                  </a:schemeClr>
-                </a:solidFill>
-                <a:latin typeface="Courier" pitchFamily="2" charset="0"/>
-              </a:rPr>
-              <a:t>start draw</a:t>
-            </a:r>
-            <a:endParaRPr lang="en-US" sz="1600" dirty="0">
-              <a:solidFill>
-                <a:schemeClr val="accent1">
-                  <a:lumMod val="75000"/>
-                </a:schemeClr>
-              </a:solidFill>
-              <a:latin typeface="Courier" pitchFamily="2" charset="0"/>
-            </a:endParaRPr>
-          </a:p>
-          <a:p>
-            <a:r>
-              <a:rPr lang="en-US" sz="1600" dirty="0">
-                <a:latin typeface="Courier" pitchFamily="2" charset="0"/>
-              </a:rPr>
-              <a:t>	square(100)</a:t>
-            </a:r>
-          </a:p>
-        </p:txBody>
-      </p:sp>
-      <p:sp>
-        <p:nvSpPr>
-          <p:cNvPr id="6" name="Rectangle 5">
-            <a:extLst>
-              <a:ext uri="{FF2B5EF4-FFF2-40B4-BE49-F238E27FC236}">
-                <a16:creationId xmlns:a16="http://schemas.microsoft.com/office/drawing/2014/main" xmlns="" id="{EADFB07A-CD47-F948-B5FF-712405A4AB39}"/>
-              </a:ext>
-            </a:extLst>
-          </p:cNvPr>
-          <p:cNvSpPr/>
-          <p:nvPr/>
-        </p:nvSpPr>
-        <p:spPr>
-          <a:xfrm>
-            <a:off x="6945028" y="1922190"/>
-            <a:ext cx="3850734" cy="707886"/>
-          </a:xfrm>
-          <a:prstGeom prst="rect">
-            <a:avLst/>
-          </a:prstGeom>
-          <a:noFill/>
-        </p:spPr>
-        <p:txBody>
-          <a:bodyPr wrap="none" lIns="91440" tIns="45720" rIns="91440" bIns="45720">
-            <a:spAutoFit/>
-          </a:bodyPr>
-          <a:lstStyle/>
-          <a:p>
-            <a:pPr algn="ctr"/>
-            <a:r>
-              <a:rPr lang="en-US" sz="4000" b="1" dirty="0">
-                <a:ln w="12700" cmpd="sng">
-                  <a:solidFill>
-                    <a:schemeClr val="accent4"/>
-                  </a:solidFill>
-                  <a:prstDash val="solid"/>
-                </a:ln>
-                <a:gradFill>
-                  <a:gsLst>
-                    <a:gs pos="0">
-                      <a:schemeClr val="accent4"/>
-                    </a:gs>
-                    <a:gs pos="4000">
-                      <a:schemeClr val="accent4">
-                        <a:lumMod val="60000"/>
-                        <a:lumOff val="40000"/>
-                      </a:schemeClr>
-                    </a:gs>
-                    <a:gs pos="87000">
-                      <a:schemeClr val="accent4">
-                        <a:lumMod val="20000"/>
-                        <a:lumOff val="80000"/>
-                      </a:schemeClr>
-                    </a:gs>
-                  </a:gsLst>
-                  <a:lin ang="5400000"/>
-                </a:gradFill>
-              </a:rPr>
-              <a:t>Try by yourself!</a:t>
-            </a:r>
-          </a:p>
-        </p:txBody>
-      </p:sp>
-      <p:sp>
-        <p:nvSpPr>
-          <p:cNvPr id="8" name="Content Placeholder 22">
-            <a:extLst>
-              <a:ext uri="{FF2B5EF4-FFF2-40B4-BE49-F238E27FC236}">
-                <a16:creationId xmlns:a16="http://schemas.microsoft.com/office/drawing/2014/main" xmlns="" id="{6E3C9841-F328-2C41-9F90-FF03EA7C76EC}"/>
-              </a:ext>
-            </a:extLst>
-          </p:cNvPr>
-          <p:cNvSpPr>
-            <a:spLocks noGrp="1"/>
-          </p:cNvSpPr>
-          <p:nvPr>
-            <p:ph idx="1"/>
-          </p:nvPr>
-        </p:nvSpPr>
-        <p:spPr>
-          <a:xfrm>
-            <a:off x="6095999" y="2630075"/>
-            <a:ext cx="6096001" cy="3781875"/>
-          </a:xfrm>
-          <a:solidFill>
-            <a:schemeClr val="bg1"/>
-          </a:solidFill>
-          <a:effectLst/>
-        </p:spPr>
-        <p:txBody>
-          <a:bodyPr>
-            <a:normAutofit/>
-          </a:bodyPr>
-          <a:lstStyle/>
-          <a:p>
-            <a:pPr marL="400050" indent="-400050">
-              <a:buClr>
-                <a:schemeClr val="tx1"/>
-              </a:buClr>
-              <a:buFont typeface="+mj-lt"/>
-              <a:buAutoNum type="romanUcPeriod"/>
+            <a:pPr marL="285750" indent="-285750">
+              <a:buFont typeface="Arial" charset="0"/>
+              <a:buChar char="•"/>
             </a:pPr>
             <a:r>
-              <a:rPr lang="en-US" b="1" dirty="0"/>
-              <a:t>Draw 100 turtles at random size</a:t>
-            </a:r>
-          </a:p>
-          <a:p>
-            <a:pPr marL="457200" lvl="1" indent="0">
-              <a:buClr>
-                <a:schemeClr val="tx1"/>
-              </a:buClr>
-              <a:buNone/>
+              <a:rPr lang="en-US" sz="2400" dirty="0"/>
+              <a:t>Python is an object oriented programming language</a:t>
+            </a:r>
+            <a:r>
+              <a:rPr lang="en-US" sz="2400" dirty="0" smtClean="0"/>
+              <a:t>.</a:t>
+            </a:r>
+          </a:p>
+          <a:p>
+            <a:pPr marL="285750" indent="-285750">
+              <a:buFont typeface="Arial" charset="0"/>
+              <a:buChar char="•"/>
             </a:pPr>
-            <a:r>
-              <a:rPr lang="en-US" dirty="0">
-                <a:latin typeface="Courier" pitchFamily="2" charset="0"/>
-              </a:rPr>
-              <a:t>size = </a:t>
-            </a:r>
-            <a:r>
-              <a:rPr lang="en-US" dirty="0" err="1">
-                <a:latin typeface="Courier" pitchFamily="2" charset="0"/>
-              </a:rPr>
-              <a:t>random.randrange</a:t>
-            </a:r>
-            <a:r>
-              <a:rPr lang="en-US" dirty="0">
-                <a:latin typeface="Courier" pitchFamily="2" charset="0"/>
-              </a:rPr>
-              <a:t>(10,200)</a:t>
-            </a:r>
-          </a:p>
-          <a:p>
-            <a:pPr marL="457200" lvl="1" indent="0">
-              <a:buClr>
-                <a:schemeClr val="tx1"/>
-              </a:buClr>
-              <a:buNone/>
+            <a:endParaRPr lang="en-US" sz="2400" dirty="0"/>
+          </a:p>
+          <a:p>
+            <a:pPr marL="285750" indent="-285750">
+              <a:buFont typeface="Arial" charset="0"/>
+              <a:buChar char="•"/>
             </a:pPr>
             <a:r>
-              <a:rPr lang="en-US" dirty="0">
-                <a:latin typeface="Courier" pitchFamily="2" charset="0"/>
-              </a:rPr>
-              <a:t>square(size)</a:t>
-            </a:r>
-            <a:endParaRPr lang="en-US" dirty="0"/>
-          </a:p>
-          <a:p>
-            <a:pPr marL="400050" indent="-400050">
-              <a:buClr>
-                <a:schemeClr val="tx1"/>
-              </a:buClr>
-              <a:buFont typeface="+mj-lt"/>
-              <a:buAutoNum type="romanUcPeriod"/>
-            </a:pPr>
-            <a:r>
-              <a:rPr lang="en-US" b="1" dirty="0"/>
-              <a:t>Change square color randomly</a:t>
-            </a:r>
-          </a:p>
-          <a:p>
-            <a:pPr marL="457200" lvl="1" indent="0">
-              <a:buClr>
-                <a:schemeClr val="tx1"/>
-              </a:buClr>
-              <a:buNone/>
-            </a:pPr>
-            <a:r>
-              <a:rPr lang="en-US" dirty="0" err="1">
-                <a:latin typeface="Courier" pitchFamily="2" charset="0"/>
-              </a:rPr>
-              <a:t>colorlist</a:t>
-            </a:r>
-            <a:r>
-              <a:rPr lang="en-US" dirty="0">
-                <a:latin typeface="Courier" pitchFamily="2" charset="0"/>
-              </a:rPr>
-              <a:t> = [“</a:t>
-            </a:r>
-            <a:r>
-              <a:rPr lang="en-US" dirty="0" err="1">
-                <a:latin typeface="Courier" pitchFamily="2" charset="0"/>
-              </a:rPr>
-              <a:t>red”,”blue”,”yellow”,”orange</a:t>
-            </a:r>
-            <a:r>
-              <a:rPr lang="en-US" dirty="0">
-                <a:latin typeface="Courier" pitchFamily="2" charset="0"/>
-              </a:rPr>
-              <a:t>”]</a:t>
-            </a:r>
-          </a:p>
-          <a:p>
-            <a:pPr marL="457200" lvl="1" indent="0">
-              <a:buClr>
-                <a:schemeClr val="tx1"/>
-              </a:buClr>
-              <a:buNone/>
-            </a:pPr>
-            <a:r>
-              <a:rPr lang="en-US" dirty="0">
-                <a:latin typeface="Courier" pitchFamily="2" charset="0"/>
-              </a:rPr>
-              <a:t>……</a:t>
-            </a:r>
-          </a:p>
-          <a:p>
-            <a:pPr marL="457200" lvl="1" indent="0">
-              <a:buClr>
-                <a:schemeClr val="tx1"/>
-              </a:buClr>
-              <a:buNone/>
-            </a:pPr>
-            <a:r>
-              <a:rPr lang="en-US" dirty="0">
-                <a:latin typeface="Courier" pitchFamily="2" charset="0"/>
-              </a:rPr>
-              <a:t>col = </a:t>
-            </a:r>
-            <a:r>
-              <a:rPr lang="en-US" dirty="0" err="1">
-                <a:latin typeface="Courier" pitchFamily="2" charset="0"/>
-              </a:rPr>
-              <a:t>random.choice</a:t>
-            </a:r>
-            <a:r>
-              <a:rPr lang="en-US" dirty="0">
-                <a:latin typeface="Courier" pitchFamily="2" charset="0"/>
-              </a:rPr>
-              <a:t>(</a:t>
-            </a:r>
-            <a:r>
-              <a:rPr lang="en-US" dirty="0" err="1">
-                <a:latin typeface="Courier" pitchFamily="2" charset="0"/>
-              </a:rPr>
-              <a:t>colorlist</a:t>
-            </a:r>
-            <a:r>
-              <a:rPr lang="en-US" dirty="0">
-                <a:latin typeface="Courier" pitchFamily="2" charset="0"/>
-              </a:rPr>
-              <a:t>)</a:t>
-            </a:r>
-          </a:p>
-          <a:p>
-            <a:pPr marL="457200" lvl="1" indent="0">
-              <a:buClr>
-                <a:schemeClr val="tx1"/>
-              </a:buClr>
-              <a:buNone/>
-            </a:pPr>
-            <a:r>
-              <a:rPr lang="en-US" dirty="0" err="1">
-                <a:latin typeface="Courier" pitchFamily="2" charset="0"/>
-              </a:rPr>
-              <a:t>fred.color</a:t>
-            </a:r>
-            <a:r>
-              <a:rPr lang="en-US" dirty="0">
-                <a:latin typeface="Courier" pitchFamily="2" charset="0"/>
-              </a:rPr>
-              <a:t>(col)</a:t>
-            </a:r>
-          </a:p>
-          <a:p>
-            <a:pPr marL="457200" lvl="1" indent="0">
-              <a:buClr>
-                <a:schemeClr val="tx1"/>
-              </a:buClr>
-              <a:buNone/>
-            </a:pPr>
-            <a:r>
-              <a:rPr lang="en-US" dirty="0">
-                <a:latin typeface="Courier" pitchFamily="2" charset="0"/>
-              </a:rPr>
-              <a:t>square(</a:t>
-            </a:r>
-            <a:r>
-              <a:rPr lang="en-US" dirty="0" err="1">
-                <a:latin typeface="Courier" pitchFamily="2" charset="0"/>
-              </a:rPr>
-              <a:t>random.randrange</a:t>
-            </a:r>
-            <a:r>
-              <a:rPr lang="en-US" dirty="0">
-                <a:latin typeface="Courier" pitchFamily="2" charset="0"/>
-              </a:rPr>
-              <a:t>(10,200)</a:t>
-            </a:r>
-          </a:p>
-        </p:txBody>
-      </p:sp>
-      <p:sp>
-        <p:nvSpPr>
-          <p:cNvPr id="7" name="Title 1">
-            <a:extLst>
-              <a:ext uri="{FF2B5EF4-FFF2-40B4-BE49-F238E27FC236}">
-                <a16:creationId xmlns:a16="http://schemas.microsoft.com/office/drawing/2014/main" xmlns="" id="{253967F2-5A0B-C248-8CB9-CD7AEEE78A10}"/>
-              </a:ext>
-            </a:extLst>
-          </p:cNvPr>
-          <p:cNvSpPr txBox="1">
-            <a:spLocks/>
-          </p:cNvSpPr>
-          <p:nvPr/>
-        </p:nvSpPr>
-        <p:spPr>
-          <a:xfrm>
-            <a:off x="196683" y="533400"/>
-            <a:ext cx="10571998" cy="792480"/>
-          </a:xfrm>
-          <a:prstGeom prst="rect">
-            <a:avLst/>
-          </a:prstGeom>
-          <a:effectLst>
-            <a:outerShdw blurRad="50800" dir="14400000">
-              <a:srgbClr val="000000">
-                <a:alpha val="60000"/>
-              </a:srgbClr>
-            </a:outerShdw>
-          </a:effectLst>
-        </p:spPr>
-        <p:txBody>
-          <a:bodyPr vert="horz" lIns="91440" tIns="45720" rIns="91440" bIns="45720" rtlCol="0" anchor="b">
-            <a:noAutofit/>
-          </a:bodyPr>
-          <a:lstStyle>
-            <a:lvl1pPr algn="l" defTabSz="457200" rtl="0" eaLnBrk="1" latinLnBrk="0" hangingPunct="1">
-              <a:spcBef>
-                <a:spcPct val="0"/>
-              </a:spcBef>
-              <a:buNone/>
-              <a:defRPr sz="4000" b="1" kern="1200">
-                <a:solidFill>
-                  <a:srgbClr val="FEFEFE"/>
-                </a:solidFill>
-                <a:latin typeface="+mj-lt"/>
-                <a:ea typeface="+mj-ea"/>
-                <a:cs typeface="+mj-cs"/>
-              </a:defRPr>
-            </a:lvl1pPr>
-            <a:lvl2pPr eaLnBrk="1" hangingPunct="1">
-              <a:defRPr>
-                <a:solidFill>
-                  <a:schemeClr val="tx2"/>
-                </a:solidFill>
-              </a:defRPr>
-            </a:lvl2pPr>
-            <a:lvl3pPr eaLnBrk="1" hangingPunct="1">
-              <a:defRPr>
-                <a:solidFill>
-                  <a:schemeClr val="tx2"/>
-                </a:solidFill>
-              </a:defRPr>
-            </a:lvl3pPr>
-            <a:lvl4pPr eaLnBrk="1" hangingPunct="1">
-              <a:defRPr>
-                <a:solidFill>
-                  <a:schemeClr val="tx2"/>
-                </a:solidFill>
-              </a:defRPr>
-            </a:lvl4pPr>
-            <a:lvl5pPr eaLnBrk="1" hangingPunct="1">
-              <a:defRPr>
-                <a:solidFill>
-                  <a:schemeClr val="tx2"/>
-                </a:solidFill>
-              </a:defRPr>
-            </a:lvl5pPr>
-            <a:lvl6pPr eaLnBrk="1" hangingPunct="1">
-              <a:defRPr>
-                <a:solidFill>
-                  <a:schemeClr val="tx2"/>
-                </a:solidFill>
-              </a:defRPr>
-            </a:lvl6pPr>
-            <a:lvl7pPr eaLnBrk="1" hangingPunct="1">
-              <a:defRPr>
-                <a:solidFill>
-                  <a:schemeClr val="tx2"/>
-                </a:solidFill>
-              </a:defRPr>
-            </a:lvl7pPr>
-            <a:lvl8pPr eaLnBrk="1" hangingPunct="1">
-              <a:defRPr>
-                <a:solidFill>
-                  <a:schemeClr val="tx2"/>
-                </a:solidFill>
-              </a:defRPr>
-            </a:lvl8pPr>
-            <a:lvl9pPr eaLnBrk="1" hangingPunct="1">
-              <a:defRPr>
-                <a:solidFill>
-                  <a:schemeClr val="tx2"/>
-                </a:solidFill>
-              </a:defRPr>
-            </a:lvl9pPr>
-          </a:lstStyle>
-          <a:p>
-            <a:r>
-              <a:rPr lang="en-US" smtClean="0"/>
-              <a:t>More examples</a:t>
-            </a:r>
-            <a:endParaRPr lang="en-US" sz="3200" dirty="0">
-              <a:solidFill>
-                <a:srgbClr val="7030A0"/>
-              </a:solidFill>
-              <a:latin typeface="Courier" pitchFamily="2" charset="0"/>
-            </a:endParaRPr>
+              <a:rPr lang="en-US" sz="2400" dirty="0"/>
+              <a:t>Almost everything in Python is an object, with its properties and methods.</a:t>
+            </a:r>
           </a:p>
         </p:txBody>
       </p:sp>
@@ -9032,10 +8263,280 @@
           </a:prstGeom>
         </p:spPr>
       </p:pic>
+      <p:sp>
+        <p:nvSpPr>
+          <p:cNvPr id="3" name="Rectangle 2"/>
+          <p:cNvSpPr/>
+          <p:nvPr/>
+        </p:nvSpPr>
+        <p:spPr>
+          <a:xfrm>
+            <a:off x="202654" y="4996238"/>
+            <a:ext cx="5018141" cy="830997"/>
+          </a:xfrm>
+          <a:prstGeom prst="rect">
+            <a:avLst/>
+          </a:prstGeom>
+        </p:spPr>
+        <p:txBody>
+          <a:bodyPr wrap="square">
+            <a:spAutoFit/>
+          </a:bodyPr>
+          <a:lstStyle/>
+          <a:p>
+            <a:pPr marL="285750" indent="-285750">
+              <a:buFont typeface="Arial" charset="0"/>
+              <a:buChar char="•"/>
+            </a:pPr>
+            <a:r>
+              <a:rPr lang="en-US" sz="2400">
+                <a:solidFill>
+                  <a:srgbClr val="000000"/>
+                </a:solidFill>
+                <a:latin typeface="Verdana" charset="0"/>
+              </a:rPr>
+              <a:t>To create a class, use the keyword </a:t>
+            </a:r>
+            <a:r>
+              <a:rPr lang="en-US" sz="2400"/>
+              <a:t>class</a:t>
+            </a:r>
+            <a:r>
+              <a:rPr lang="en-US" sz="2400">
+                <a:solidFill>
+                  <a:srgbClr val="000000"/>
+                </a:solidFill>
+                <a:latin typeface="Verdana" charset="0"/>
+              </a:rPr>
+              <a:t>:</a:t>
+            </a:r>
+            <a:endParaRPr lang="en-US" sz="2400"/>
+          </a:p>
+        </p:txBody>
+      </p:sp>
+      <p:sp>
+        <p:nvSpPr>
+          <p:cNvPr id="8" name="Rectangle 7"/>
+          <p:cNvSpPr/>
+          <p:nvPr/>
+        </p:nvSpPr>
+        <p:spPr>
+          <a:xfrm>
+            <a:off x="8549640" y="2382222"/>
+            <a:ext cx="2694216" cy="830997"/>
+          </a:xfrm>
+          <a:prstGeom prst="rect">
+            <a:avLst/>
+          </a:prstGeom>
+        </p:spPr>
+        <p:txBody>
+          <a:bodyPr wrap="square">
+            <a:spAutoFit/>
+          </a:bodyPr>
+          <a:lstStyle/>
+          <a:p>
+            <a:r>
+              <a:rPr lang="en-US" sz="2400">
+                <a:solidFill>
+                  <a:srgbClr val="0000CD"/>
+                </a:solidFill>
+                <a:latin typeface="Consolas" charset="0"/>
+              </a:rPr>
+              <a:t>class</a:t>
+            </a:r>
+            <a:r>
+              <a:rPr lang="en-US" sz="2400">
+                <a:solidFill>
+                  <a:srgbClr val="000000"/>
+                </a:solidFill>
+                <a:latin typeface="Consolas" charset="0"/>
+              </a:rPr>
+              <a:t> </a:t>
+            </a:r>
+            <a:r>
+              <a:rPr lang="en-US" sz="2400" dirty="0" err="1">
+                <a:solidFill>
+                  <a:srgbClr val="000000"/>
+                </a:solidFill>
+                <a:latin typeface="Consolas" charset="0"/>
+              </a:rPr>
+              <a:t>MyClass</a:t>
+            </a:r>
+            <a:r>
+              <a:rPr lang="en-US" sz="2400" dirty="0">
+                <a:solidFill>
+                  <a:srgbClr val="000000"/>
+                </a:solidFill>
+                <a:latin typeface="Consolas" charset="0"/>
+              </a:rPr>
+              <a:t>:</a:t>
+            </a:r>
+            <a:r>
+              <a:rPr lang="en-US" sz="2400" dirty="0"/>
+              <a:t/>
+            </a:r>
+            <a:br>
+              <a:rPr lang="en-US" sz="2400" dirty="0"/>
+            </a:br>
+            <a:r>
+              <a:rPr lang="en-US" sz="2400" dirty="0">
+                <a:solidFill>
+                  <a:srgbClr val="000000"/>
+                </a:solidFill>
+                <a:latin typeface="Consolas" charset="0"/>
+              </a:rPr>
+              <a:t>  x = </a:t>
+            </a:r>
+            <a:r>
+              <a:rPr lang="en-US" sz="2400" dirty="0">
+                <a:solidFill>
+                  <a:srgbClr val="FF0000"/>
+                </a:solidFill>
+                <a:latin typeface="Consolas" charset="0"/>
+              </a:rPr>
+              <a:t>5</a:t>
+            </a:r>
+            <a:endParaRPr lang="en-US" sz="2400" dirty="0"/>
+          </a:p>
+        </p:txBody>
+      </p:sp>
+      <p:sp>
+        <p:nvSpPr>
+          <p:cNvPr id="10" name="Rectangle 9"/>
+          <p:cNvSpPr/>
+          <p:nvPr/>
+        </p:nvSpPr>
+        <p:spPr>
+          <a:xfrm>
+            <a:off x="245165" y="6072671"/>
+            <a:ext cx="7850226" cy="461665"/>
+          </a:xfrm>
+          <a:prstGeom prst="rect">
+            <a:avLst/>
+          </a:prstGeom>
+        </p:spPr>
+        <p:txBody>
+          <a:bodyPr wrap="none">
+            <a:spAutoFit/>
+          </a:bodyPr>
+          <a:lstStyle/>
+          <a:p>
+            <a:pPr marL="285750" indent="-285750">
+              <a:buFont typeface="Arial" charset="0"/>
+              <a:buChar char="•"/>
+            </a:pPr>
+            <a:r>
+              <a:rPr lang="en-US" sz="2400" dirty="0">
+                <a:solidFill>
+                  <a:srgbClr val="000000"/>
+                </a:solidFill>
+                <a:latin typeface="Verdana" charset="0"/>
+              </a:rPr>
+              <a:t>use the class named </a:t>
+            </a:r>
+            <a:r>
+              <a:rPr lang="en-US" sz="2400" dirty="0" err="1">
+                <a:solidFill>
+                  <a:srgbClr val="000000"/>
+                </a:solidFill>
+                <a:latin typeface="Verdana" charset="0"/>
+              </a:rPr>
+              <a:t>MyClass</a:t>
+            </a:r>
+            <a:r>
+              <a:rPr lang="en-US" sz="2400" dirty="0">
+                <a:solidFill>
+                  <a:srgbClr val="000000"/>
+                </a:solidFill>
+                <a:latin typeface="Verdana" charset="0"/>
+              </a:rPr>
+              <a:t> to create objects:</a:t>
+            </a:r>
+            <a:endParaRPr lang="en-US" sz="2400" dirty="0"/>
+          </a:p>
+        </p:txBody>
+      </p:sp>
+      <p:sp>
+        <p:nvSpPr>
+          <p:cNvPr id="11" name="Rectangle 10"/>
+          <p:cNvSpPr/>
+          <p:nvPr/>
+        </p:nvSpPr>
+        <p:spPr>
+          <a:xfrm>
+            <a:off x="8566870" y="3785581"/>
+            <a:ext cx="2665010" cy="830997"/>
+          </a:xfrm>
+          <a:prstGeom prst="rect">
+            <a:avLst/>
+          </a:prstGeom>
+        </p:spPr>
+        <p:txBody>
+          <a:bodyPr wrap="square">
+            <a:spAutoFit/>
+          </a:bodyPr>
+          <a:lstStyle/>
+          <a:p>
+            <a:r>
+              <a:rPr lang="en-US" sz="2400" dirty="0">
+                <a:solidFill>
+                  <a:srgbClr val="000000"/>
+                </a:solidFill>
+                <a:latin typeface="Consolas" charset="0"/>
+              </a:rPr>
+              <a:t>p1 = </a:t>
+            </a:r>
+            <a:r>
+              <a:rPr lang="en-US" sz="2400" dirty="0" err="1">
+                <a:solidFill>
+                  <a:srgbClr val="000000"/>
+                </a:solidFill>
+                <a:latin typeface="Consolas" charset="0"/>
+              </a:rPr>
+              <a:t>MyClass</a:t>
+            </a:r>
+            <a:r>
+              <a:rPr lang="en-US" sz="2400" dirty="0">
+                <a:solidFill>
+                  <a:srgbClr val="000000"/>
+                </a:solidFill>
+                <a:latin typeface="Consolas" charset="0"/>
+              </a:rPr>
+              <a:t>()</a:t>
+            </a:r>
+            <a:r>
+              <a:rPr lang="en-US" sz="2400" dirty="0"/>
+              <a:t/>
+            </a:r>
+            <a:br>
+              <a:rPr lang="en-US" sz="2400" dirty="0"/>
+            </a:br>
+            <a:r>
+              <a:rPr lang="en-US" sz="2400" dirty="0">
+                <a:solidFill>
+                  <a:srgbClr val="0000CD"/>
+                </a:solidFill>
+                <a:latin typeface="Consolas" charset="0"/>
+              </a:rPr>
+              <a:t>print</a:t>
+            </a:r>
+            <a:r>
+              <a:rPr lang="en-US" sz="2400" dirty="0">
+                <a:solidFill>
+                  <a:srgbClr val="000000"/>
+                </a:solidFill>
+                <a:latin typeface="Consolas" charset="0"/>
+              </a:rPr>
+              <a:t>(p1.x)</a:t>
+            </a:r>
+            <a:endParaRPr lang="en-US" sz="2400" dirty="0"/>
+          </a:p>
+        </p:txBody>
+      </p:sp>
     </p:spTree>
     <p:extLst>
       <p:ext uri="{BB962C8B-B14F-4D97-AF65-F5344CB8AC3E}">
-        <p14:creationId xmlns:p14="http://schemas.microsoft.com/office/powerpoint/2010/main" val="2968680290"/>
+        <p14:creationId xmlns:p14="http://schemas.microsoft.com/office/powerpoint/2010/main" val="1247600455"/>
       </p:ext>
     </p:extLst>
   </p:cSld>
@@ -9079,13 +8580,16 @@
           <a:p>
             <a:r>
               <a:rPr lang="en-US" b="0" dirty="0"/>
-              <a:t>Python </a:t>
-            </a:r>
-            <a:r>
-              <a:rPr lang="en-US" b="0" dirty="0" smtClean="0"/>
-              <a:t>Classes/Objects</a:t>
-            </a:r>
-            <a:endParaRPr lang="en-US" dirty="0"/>
+              <a:t>The __</a:t>
+            </a:r>
+            <a:r>
+              <a:rPr lang="en-US" b="0" dirty="0" err="1"/>
+              <a:t>init</a:t>
+            </a:r>
+            <a:r>
+              <a:rPr lang="en-US" b="0" dirty="0"/>
+              <a:t>__() Function</a:t>
+            </a:r>
           </a:p>
         </p:txBody>
       </p:sp>
@@ -9098,7 +8602,7 @@
         <p:spPr>
           <a:xfrm>
             <a:off x="245165" y="2382222"/>
-            <a:ext cx="4933121" cy="2308324"/>
+            <a:ext cx="6353755" cy="3046988"/>
           </a:xfrm>
           <a:prstGeom prst="rect">
             <a:avLst/>
@@ -9110,13 +8614,41 @@
           </a:bodyPr>
           <a:lstStyle/>
           <a:p>
-            <a:pPr marL="285750" indent="-285750">
+            <a:pPr marL="342900" indent="-342900">
               <a:buFont typeface="Arial" charset="0"/>
               <a:buChar char="•"/>
             </a:pPr>
             <a:r>
               <a:rPr lang="en-US" sz="2400" dirty="0"/>
-              <a:t>Python is an object oriented programming language</a:t>
+              <a:t>All classes have a function called </a:t>
+            </a:r>
+            <a:r>
+              <a:rPr lang="en-US" sz="2400" dirty="0">
+                <a:solidFill>
+                  <a:srgbClr val="FF0000"/>
+                </a:solidFill>
+              </a:rPr>
+              <a:t>__</a:t>
+            </a:r>
+            <a:r>
+              <a:rPr lang="en-US" sz="2400" dirty="0" err="1">
+                <a:solidFill>
+                  <a:srgbClr val="FF0000"/>
+                </a:solidFill>
+              </a:rPr>
+              <a:t>init</a:t>
+            </a:r>
+            <a:r>
+              <a:rPr lang="en-US" sz="2400" dirty="0">
+                <a:solidFill>
+                  <a:srgbClr val="FF0000"/>
+                </a:solidFill>
+              </a:rPr>
+              <a:t>__()</a:t>
+            </a:r>
+            <a:r>
+              <a:rPr lang="en-US" sz="2400" dirty="0"/>
+              <a:t>, which is always executed when the class is being initiated</a:t>
             </a:r>
             <a:r>
               <a:rPr lang="en-US" sz="2400" dirty="0" smtClean="0"/>
@@ -9124,20 +8656,28 @@
             </a:r>
           </a:p>
           <a:p>
-            <a:pPr marL="285750" indent="-285750">
+            <a:pPr marL="342900" indent="-342900">
               <a:buFont typeface="Arial" charset="0"/>
               <a:buChar char="•"/>
             </a:pPr>
             <a:endParaRPr lang="en-US" sz="2400" dirty="0"/>
           </a:p>
           <a:p>
-            <a:pPr marL="285750" indent="-285750">
+            <a:pPr marL="342900" indent="-342900">
               <a:buFont typeface="Arial" charset="0"/>
               <a:buChar char="•"/>
             </a:pPr>
             <a:r>
               <a:rPr lang="en-US" sz="2400" dirty="0"/>
-              <a:t>Almost everything in Python is an object, with its properties and methods.</a:t>
+              <a:t>Use the __</a:t>
+            </a:r>
+            <a:r>
+              <a:rPr lang="en-US" sz="2400" dirty="0" err="1"/>
+              <a:t>init</a:t>
+            </a:r>
+            <a:r>
+              <a:rPr lang="en-US" sz="2400" dirty="0"/>
+              <a:t>__() function to assign values to object properties, or other operations that are necessary to do when the object is being created</a:t>
             </a:r>
           </a:p>
         </p:txBody>
@@ -9168,14 +8708,14 @@
       </p:pic>
       <p:sp>
         <p:nvSpPr>
-          <p:cNvPr id="3" name="Rectangle 2"/>
+          <p:cNvPr id="5" name="Rectangle 4"/>
           <p:cNvSpPr/>
           <p:nvPr/>
         </p:nvSpPr>
         <p:spPr>
           <a:xfrm>
-            <a:off x="202654" y="4996238"/>
-            <a:ext cx="5018141" cy="830997"/>
+            <a:off x="7208520" y="2243019"/>
+            <a:ext cx="4480560" cy="2585323"/>
           </a:xfrm>
           <a:prstGeom prst="rect">
             <a:avLst/>
@@ -9187,235 +8727,244 @@
           </a:bodyPr>
           <a:lstStyle/>
           <a:p>
-            <a:pPr marL="285750" indent="-285750">
-              <a:buFont typeface="Arial" charset="0"/>
-              <a:buChar char="•"/>
-            </a:pPr>
-            <a:r>
-              <a:rPr lang="en-US" sz="2400">
-                <a:solidFill>
-                  <a:srgbClr val="000000"/>
-                </a:solidFill>
-                <a:latin typeface="Verdana" charset="0"/>
-              </a:rPr>
-              <a:t>To create a class, use the keyword </a:t>
-            </a:r>
-            <a:r>
-              <a:rPr lang="en-US" sz="2400"/>
+            <a:r>
+              <a:rPr lang="en-US" dirty="0">
+                <a:solidFill>
+                  <a:srgbClr val="0000CD"/>
+                </a:solidFill>
+                <a:latin typeface="Consolas" charset="0"/>
+              </a:rPr>
               <a:t>class</a:t>
             </a:r>
             <a:r>
-              <a:rPr lang="en-US" sz="2400">
-                <a:solidFill>
-                  <a:srgbClr val="000000"/>
-                </a:solidFill>
-                <a:latin typeface="Verdana" charset="0"/>
-              </a:rPr>
-              <a:t>:</a:t>
-            </a:r>
-            <a:endParaRPr lang="en-US" sz="2400"/>
-          </a:p>
-        </p:txBody>
-      </p:sp>
-      <p:sp>
-        <p:nvSpPr>
-          <p:cNvPr id="8" name="Rectangle 7"/>
-          <p:cNvSpPr/>
-          <p:nvPr/>
-        </p:nvSpPr>
-        <p:spPr>
-          <a:xfrm>
-            <a:off x="8549640" y="2382222"/>
-            <a:ext cx="2694216" cy="830997"/>
-          </a:xfrm>
-          <a:prstGeom prst="rect">
-            <a:avLst/>
-          </a:prstGeom>
-        </p:spPr>
-        <p:txBody>
-          <a:bodyPr wrap="square">
-            <a:spAutoFit/>
-          </a:bodyPr>
-          <a:lstStyle/>
-          <a:p>
-            <a:r>
-              <a:rPr lang="en-US" sz="2400">
+              <a:rPr lang="en-US" dirty="0">
+                <a:solidFill>
+                  <a:srgbClr val="000000"/>
+                </a:solidFill>
+                <a:latin typeface="Consolas" charset="0"/>
+              </a:rPr>
+              <a:t> Person:</a:t>
+            </a:r>
+            <a:r>
+              <a:rPr lang="en-US" dirty="0"/>
+              <a:t/>
+            </a:r>
+            <a:br>
+              <a:rPr lang="en-US" dirty="0"/>
+            </a:br>
+            <a:r>
+              <a:rPr lang="en-US" dirty="0">
+                <a:solidFill>
+                  <a:srgbClr val="000000"/>
+                </a:solidFill>
+                <a:latin typeface="Consolas" charset="0"/>
+              </a:rPr>
+              <a:t>  </a:t>
+            </a:r>
+            <a:r>
+              <a:rPr lang="en-US" dirty="0" err="1">
                 <a:solidFill>
                   <a:srgbClr val="0000CD"/>
                 </a:solidFill>
                 <a:latin typeface="Consolas" charset="0"/>
               </a:rPr>
-              <a:t>class</a:t>
-            </a:r>
-            <a:r>
-              <a:rPr lang="en-US" sz="2400">
+              <a:t>def</a:t>
+            </a:r>
+            <a:r>
+              <a:rPr lang="en-US" dirty="0">
                 <a:solidFill>
                   <a:srgbClr val="000000"/>
                 </a:solidFill>
                 <a:latin typeface="Consolas" charset="0"/>
               </a:rPr>
-              <a:t> </a:t>
-            </a:r>
-            <a:r>
-              <a:rPr lang="en-US" sz="2400" dirty="0" err="1">
+              <a:t> __</a:t>
+            </a:r>
+            <a:r>
+              <a:rPr lang="en-US" dirty="0" err="1">
                 <a:solidFill>
                   <a:srgbClr val="000000"/>
                 </a:solidFill>
                 <a:latin typeface="Consolas" charset="0"/>
               </a:rPr>
-              <a:t>MyClass</a:t>
-            </a:r>
-            <a:r>
-              <a:rPr lang="en-US" sz="2400" dirty="0">
+              <a:t>init</a:t>
+            </a:r>
+            <a:r>
+              <a:rPr lang="en-US" dirty="0">
                 <a:solidFill>
                   <a:srgbClr val="000000"/>
                 </a:solidFill>
                 <a:latin typeface="Consolas" charset="0"/>
               </a:rPr>
-              <a:t>:</a:t>
-            </a:r>
-            <a:r>
-              <a:rPr lang="en-US" sz="2400" dirty="0"/>
+              <a:t>__(self, name, age):</a:t>
+            </a:r>
+            <a:r>
+              <a:rPr lang="en-US" dirty="0"/>
               <a:t/>
             </a:r>
             <a:br>
-              <a:rPr lang="en-US" sz="2400" dirty="0"/>
+              <a:rPr lang="en-US" dirty="0"/>
             </a:br>
             <a:r>
-              <a:rPr lang="en-US" sz="2400" dirty="0">
+              <a:rPr lang="en-US" dirty="0">
                 <a:solidFill>
                   <a:srgbClr val="000000"/>
                 </a:solidFill>
                 <a:latin typeface="Consolas" charset="0"/>
               </a:rPr>
-              <a:t>  x = </a:t>
-            </a:r>
-            <a:r>
-              <a:rPr lang="en-US" sz="2400" dirty="0">
+              <a:t>    </a:t>
+            </a:r>
+            <a:r>
+              <a:rPr lang="en-US" dirty="0" err="1">
+                <a:solidFill>
+                  <a:srgbClr val="000000"/>
+                </a:solidFill>
+                <a:latin typeface="Consolas" charset="0"/>
+              </a:rPr>
+              <a:t>self.name</a:t>
+            </a:r>
+            <a:r>
+              <a:rPr lang="en-US" dirty="0">
+                <a:solidFill>
+                  <a:srgbClr val="000000"/>
+                </a:solidFill>
+                <a:latin typeface="Consolas" charset="0"/>
+              </a:rPr>
+              <a:t> = name</a:t>
+            </a:r>
+            <a:r>
+              <a:rPr lang="en-US" dirty="0"/>
+              <a:t/>
+            </a:r>
+            <a:br>
+              <a:rPr lang="en-US" dirty="0"/>
+            </a:br>
+            <a:r>
+              <a:rPr lang="en-US" dirty="0">
+                <a:solidFill>
+                  <a:srgbClr val="000000"/>
+                </a:solidFill>
+                <a:latin typeface="Consolas" charset="0"/>
+              </a:rPr>
+              <a:t>    </a:t>
+            </a:r>
+            <a:r>
+              <a:rPr lang="en-US" dirty="0" err="1">
+                <a:solidFill>
+                  <a:srgbClr val="000000"/>
+                </a:solidFill>
+                <a:latin typeface="Consolas" charset="0"/>
+              </a:rPr>
+              <a:t>self.age</a:t>
+            </a:r>
+            <a:r>
+              <a:rPr lang="en-US" dirty="0">
+                <a:solidFill>
+                  <a:srgbClr val="000000"/>
+                </a:solidFill>
+                <a:latin typeface="Consolas" charset="0"/>
+              </a:rPr>
+              <a:t> = age</a:t>
+            </a:r>
+            <a:r>
+              <a:rPr lang="en-US" dirty="0"/>
+              <a:t/>
+            </a:r>
+            <a:br>
+              <a:rPr lang="en-US" dirty="0"/>
+            </a:br>
+            <a:r>
+              <a:rPr lang="en-US" dirty="0"/>
+              <a:t/>
+            </a:r>
+            <a:br>
+              <a:rPr lang="en-US" dirty="0"/>
+            </a:br>
+            <a:r>
+              <a:rPr lang="en-US" dirty="0">
+                <a:solidFill>
+                  <a:srgbClr val="000000"/>
+                </a:solidFill>
+                <a:latin typeface="Consolas" charset="0"/>
+              </a:rPr>
+              <a:t>p1 = Person(</a:t>
+            </a:r>
+            <a:r>
+              <a:rPr lang="en-US" dirty="0">
+                <a:solidFill>
+                  <a:srgbClr val="A52A2A"/>
+                </a:solidFill>
+                <a:latin typeface="Consolas" charset="0"/>
+              </a:rPr>
+              <a:t>"John"</a:t>
+            </a:r>
+            <a:r>
+              <a:rPr lang="en-US" dirty="0">
+                <a:solidFill>
+                  <a:srgbClr val="000000"/>
+                </a:solidFill>
+                <a:latin typeface="Consolas" charset="0"/>
+              </a:rPr>
+              <a:t>, </a:t>
+            </a:r>
+            <a:r>
+              <a:rPr lang="en-US" dirty="0">
                 <a:solidFill>
                   <a:srgbClr val="FF0000"/>
                 </a:solidFill>
                 <a:latin typeface="Consolas" charset="0"/>
               </a:rPr>
-              <a:t>5</a:t>
-            </a:r>
-            <a:endParaRPr lang="en-US" sz="2400" dirty="0"/>
-          </a:p>
-        </p:txBody>
-      </p:sp>
-      <p:sp>
-        <p:nvSpPr>
-          <p:cNvPr id="10" name="Rectangle 9"/>
-          <p:cNvSpPr/>
-          <p:nvPr/>
-        </p:nvSpPr>
-        <p:spPr>
-          <a:xfrm>
-            <a:off x="245165" y="6072671"/>
-            <a:ext cx="7850226" cy="461665"/>
-          </a:xfrm>
-          <a:prstGeom prst="rect">
-            <a:avLst/>
-          </a:prstGeom>
-        </p:spPr>
-        <p:txBody>
-          <a:bodyPr wrap="none">
-            <a:spAutoFit/>
-          </a:bodyPr>
-          <a:lstStyle/>
-          <a:p>
-            <a:pPr marL="285750" indent="-285750">
-              <a:buFont typeface="Arial" charset="0"/>
-              <a:buChar char="•"/>
-            </a:pPr>
-            <a:r>
-              <a:rPr lang="en-US" sz="2400" dirty="0">
-                <a:solidFill>
-                  <a:srgbClr val="000000"/>
-                </a:solidFill>
-                <a:latin typeface="Verdana" charset="0"/>
-              </a:rPr>
-              <a:t>use the class named </a:t>
-            </a:r>
-            <a:r>
-              <a:rPr lang="en-US" sz="2400" dirty="0" err="1">
-                <a:solidFill>
-                  <a:srgbClr val="000000"/>
-                </a:solidFill>
-                <a:latin typeface="Verdana" charset="0"/>
-              </a:rPr>
-              <a:t>MyClass</a:t>
-            </a:r>
-            <a:r>
-              <a:rPr lang="en-US" sz="2400" dirty="0">
-                <a:solidFill>
-                  <a:srgbClr val="000000"/>
-                </a:solidFill>
-                <a:latin typeface="Verdana" charset="0"/>
-              </a:rPr>
-              <a:t> to create objects:</a:t>
-            </a:r>
-            <a:endParaRPr lang="en-US" sz="2400" dirty="0"/>
-          </a:p>
-        </p:txBody>
-      </p:sp>
-      <p:sp>
-        <p:nvSpPr>
-          <p:cNvPr id="11" name="Rectangle 10"/>
-          <p:cNvSpPr/>
-          <p:nvPr/>
-        </p:nvSpPr>
-        <p:spPr>
-          <a:xfrm>
-            <a:off x="8566870" y="3785581"/>
-            <a:ext cx="2665010" cy="830997"/>
-          </a:xfrm>
-          <a:prstGeom prst="rect">
-            <a:avLst/>
-          </a:prstGeom>
-        </p:spPr>
-        <p:txBody>
-          <a:bodyPr wrap="square">
-            <a:spAutoFit/>
-          </a:bodyPr>
-          <a:lstStyle/>
-          <a:p>
-            <a:r>
-              <a:rPr lang="en-US" sz="2400" dirty="0">
+              <a:t>36</a:t>
+            </a:r>
+            <a:r>
+              <a:rPr lang="en-US" dirty="0">
                 <a:solidFill>
                   <a:srgbClr val="000000"/>
                 </a:solidFill>
                 <a:latin typeface="Consolas" charset="0"/>
               </a:rPr>
-              <a:t>p1 = </a:t>
-            </a:r>
-            <a:r>
-              <a:rPr lang="en-US" sz="2400" dirty="0" err="1">
-                <a:solidFill>
-                  <a:srgbClr val="000000"/>
+              <a:t>)</a:t>
+            </a:r>
+            <a:r>
+              <a:rPr lang="en-US" dirty="0"/>
+              <a:t/>
+            </a:r>
+            <a:br>
+              <a:rPr lang="en-US" dirty="0"/>
+            </a:br>
+            <a:r>
+              <a:rPr lang="en-US" dirty="0"/>
+              <a:t/>
+            </a:r>
+            <a:br>
+              <a:rPr lang="en-US" dirty="0"/>
+            </a:br>
+            <a:r>
+              <a:rPr lang="en-US" dirty="0">
+                <a:solidFill>
+                  <a:srgbClr val="0000CD"/>
                 </a:solidFill>
                 <a:latin typeface="Consolas" charset="0"/>
               </a:rPr>
-              <a:t>MyClass</a:t>
-            </a:r>
-            <a:r>
-              <a:rPr lang="en-US" sz="2400" dirty="0">
+              <a:t>print</a:t>
+            </a:r>
+            <a:r>
+              <a:rPr lang="en-US" dirty="0">
                 <a:solidFill>
                   <a:srgbClr val="000000"/>
                 </a:solidFill>
                 <a:latin typeface="Consolas" charset="0"/>
               </a:rPr>
-              <a:t>()</a:t>
-            </a:r>
-            <a:r>
-              <a:rPr lang="en-US" sz="2400" dirty="0"/>
+              <a:t>(p1.name)</a:t>
+            </a:r>
+            <a:r>
+              <a:rPr lang="en-US" dirty="0"/>
               <a:t/>
             </a:r>
             <a:br>
-              <a:rPr lang="en-US" sz="2400" dirty="0"/>
+              <a:rPr lang="en-US" dirty="0"/>
             </a:br>
             <a:r>
-              <a:rPr lang="en-US" sz="2400" dirty="0">
+              <a:rPr lang="en-US" dirty="0">
                 <a:solidFill>
                   <a:srgbClr val="0000CD"/>
                 </a:solidFill>
@@ -9424,22 +8973,22 @@
               <a:t>print</a:t>
             </a:r>
             <a:r>
-              <a:rPr lang="en-US" sz="2400" dirty="0">
+              <a:rPr lang="en-US" dirty="0">
                 <a:solidFill>
                   <a:srgbClr val="000000"/>
                 </a:solidFill>
                 <a:latin typeface="Consolas" charset="0"/>
               </a:rPr>
-              <a:t>(p1.x)</a:t>
-            </a:r>
-            <a:endParaRPr lang="en-US" sz="2400" dirty="0"/>
+              <a:t>(p1.age)</a:t>
+            </a:r>
+            <a:endParaRPr lang="en-US" dirty="0"/>
           </a:p>
         </p:txBody>
       </p:sp>
     </p:spTree>
     <p:extLst>
       <p:ext uri="{BB962C8B-B14F-4D97-AF65-F5344CB8AC3E}">
-        <p14:creationId xmlns:p14="http://schemas.microsoft.com/office/powerpoint/2010/main" val="1247600455"/>
+        <p14:creationId xmlns:p14="http://schemas.microsoft.com/office/powerpoint/2010/main" val="117787678"/>
       </p:ext>
     </p:extLst>
   </p:cSld>
@@ -9483,15 +9032,7 @@
           <a:p>
             <a:r>
               <a:rPr lang="en-US" b="0" dirty="0"/>
-              <a:t>The __</a:t>
-            </a:r>
-            <a:r>
-              <a:rPr lang="en-US" b="0" dirty="0" err="1"/>
-              <a:t>init</a:t>
-            </a:r>
-            <a:r>
-              <a:rPr lang="en-US" b="0" dirty="0"/>
-              <a:t>__() Function</a:t>
+              <a:t>Object Methods</a:t>
             </a:r>
           </a:p>
         </p:txBody>
@@ -9505,7 +9046,7 @@
         <p:spPr>
           <a:xfrm>
             <a:off x="245165" y="2382222"/>
-            <a:ext cx="6353755" cy="3046988"/>
+            <a:ext cx="6353755" cy="1200329"/>
           </a:xfrm>
           <a:prstGeom prst="rect">
             <a:avLst/>
@@ -9523,64 +9064,7 @@
             </a:pPr>
             <a:r>
               <a:rPr lang="en-US" sz="2400" dirty="0"/>
-              <a:t>All classes have a function called </a:t>
-            </a:r>
-            <a:r>
-              <a:rPr lang="en-US" sz="2400" dirty="0">
-                <a:solidFill>
-                  <a:srgbClr val="FF0000"/>
-                </a:solidFill>
-              </a:rPr>
-              <a:t>__</a:t>
-            </a:r>
-            <a:r>
-              <a:rPr lang="en-US" sz="2400" dirty="0" err="1">
-                <a:solidFill>
-                  <a:srgbClr val="FF0000"/>
-                </a:solidFill>
-              </a:rPr>
-              <a:t>init</a:t>
-            </a:r>
-            <a:r>
-              <a:rPr lang="en-US" sz="2400" dirty="0">
-                <a:solidFill>
-                  <a:srgbClr val="FF0000"/>
-                </a:solidFill>
-              </a:rPr>
-              <a:t>__()</a:t>
-            </a:r>
-            <a:r>
-              <a:rPr lang="en-US" sz="2400" dirty="0"/>
-              <a:t>, which is always executed when the class is being initiated</a:t>
-            </a:r>
-            <a:r>
-              <a:rPr lang="en-US" sz="2400" dirty="0" smtClean="0"/>
-              <a:t>.</a:t>
-            </a:r>
-          </a:p>
-          <a:p>
-            <a:pPr marL="342900" indent="-342900">
-              <a:buFont typeface="Arial" charset="0"/>
-              <a:buChar char="•"/>
-            </a:pPr>
-            <a:endParaRPr lang="en-US" sz="2400" dirty="0"/>
-          </a:p>
-          <a:p>
-            <a:pPr marL="342900" indent="-342900">
-              <a:buFont typeface="Arial" charset="0"/>
-              <a:buChar char="•"/>
-            </a:pPr>
-            <a:r>
-              <a:rPr lang="en-US" sz="2400" dirty="0"/>
-              <a:t>Use the __</a:t>
-            </a:r>
-            <a:r>
-              <a:rPr lang="en-US" sz="2400" dirty="0" err="1"/>
-              <a:t>init</a:t>
-            </a:r>
-            <a:r>
-              <a:rPr lang="en-US" sz="2400" dirty="0"/>
-              <a:t>__() function to assign values to object properties, or other operations that are necessary to do when the object is being created</a:t>
+              <a:t>Objects can also contain methods. Methods in objects are functions that belong to the object.</a:t>
             </a:r>
           </a:p>
         </p:txBody>
@@ -9611,393 +9095,6 @@
       </p:pic>
       <p:sp>
         <p:nvSpPr>
-          <p:cNvPr id="5" name="Rectangle 4"/>
-          <p:cNvSpPr/>
-          <p:nvPr/>
-        </p:nvSpPr>
-        <p:spPr>
-          <a:xfrm>
-            <a:off x="7208520" y="2243019"/>
-            <a:ext cx="4480560" cy="2585323"/>
-          </a:xfrm>
-          <a:prstGeom prst="rect">
-            <a:avLst/>
-          </a:prstGeom>
-        </p:spPr>
-        <p:txBody>
-          <a:bodyPr wrap="square">
-            <a:spAutoFit/>
-          </a:bodyPr>
-          <a:lstStyle/>
-          <a:p>
-            <a:r>
-              <a:rPr lang="en-US" dirty="0">
-                <a:solidFill>
-                  <a:srgbClr val="0000CD"/>
-                </a:solidFill>
-                <a:latin typeface="Consolas" charset="0"/>
-              </a:rPr>
-              <a:t>class</a:t>
-            </a:r>
-            <a:r>
-              <a:rPr lang="en-US" dirty="0">
-                <a:solidFill>
-                  <a:srgbClr val="000000"/>
-                </a:solidFill>
-                <a:latin typeface="Consolas" charset="0"/>
-              </a:rPr>
-              <a:t> Person:</a:t>
-            </a:r>
-            <a:r>
-              <a:rPr lang="en-US" dirty="0"/>
-              <a:t/>
-            </a:r>
-            <a:br>
-              <a:rPr lang="en-US" dirty="0"/>
-            </a:br>
-            <a:r>
-              <a:rPr lang="en-US" dirty="0">
-                <a:solidFill>
-                  <a:srgbClr val="000000"/>
-                </a:solidFill>
-                <a:latin typeface="Consolas" charset="0"/>
-              </a:rPr>
-              <a:t>  </a:t>
-            </a:r>
-            <a:r>
-              <a:rPr lang="en-US" dirty="0" err="1">
-                <a:solidFill>
-                  <a:srgbClr val="0000CD"/>
-                </a:solidFill>
-                <a:latin typeface="Consolas" charset="0"/>
-              </a:rPr>
-              <a:t>def</a:t>
-            </a:r>
-            <a:r>
-              <a:rPr lang="en-US" dirty="0">
-                <a:solidFill>
-                  <a:srgbClr val="000000"/>
-                </a:solidFill>
-                <a:latin typeface="Consolas" charset="0"/>
-              </a:rPr>
-              <a:t> __</a:t>
-            </a:r>
-            <a:r>
-              <a:rPr lang="en-US" dirty="0" err="1">
-                <a:solidFill>
-                  <a:srgbClr val="000000"/>
-                </a:solidFill>
-                <a:latin typeface="Consolas" charset="0"/>
-              </a:rPr>
-              <a:t>init</a:t>
-            </a:r>
-            <a:r>
-              <a:rPr lang="en-US" dirty="0">
-                <a:solidFill>
-                  <a:srgbClr val="000000"/>
-                </a:solidFill>
-                <a:latin typeface="Consolas" charset="0"/>
-              </a:rPr>
-              <a:t>__(self, name, age):</a:t>
-            </a:r>
-            <a:r>
-              <a:rPr lang="en-US" dirty="0"/>
-              <a:t/>
-            </a:r>
-            <a:br>
-              <a:rPr lang="en-US" dirty="0"/>
-            </a:br>
-            <a:r>
-              <a:rPr lang="en-US" dirty="0">
-                <a:solidFill>
-                  <a:srgbClr val="000000"/>
-                </a:solidFill>
-                <a:latin typeface="Consolas" charset="0"/>
-              </a:rPr>
-              <a:t>    </a:t>
-            </a:r>
-            <a:r>
-              <a:rPr lang="en-US" dirty="0" err="1">
-                <a:solidFill>
-                  <a:srgbClr val="000000"/>
-                </a:solidFill>
-                <a:latin typeface="Consolas" charset="0"/>
-              </a:rPr>
-              <a:t>self.name</a:t>
-            </a:r>
-            <a:r>
-              <a:rPr lang="en-US" dirty="0">
-                <a:solidFill>
-                  <a:srgbClr val="000000"/>
-                </a:solidFill>
-                <a:latin typeface="Consolas" charset="0"/>
-              </a:rPr>
-              <a:t> = name</a:t>
-            </a:r>
-            <a:r>
-              <a:rPr lang="en-US" dirty="0"/>
-              <a:t/>
-            </a:r>
-            <a:br>
-              <a:rPr lang="en-US" dirty="0"/>
-            </a:br>
-            <a:r>
-              <a:rPr lang="en-US" dirty="0">
-                <a:solidFill>
-                  <a:srgbClr val="000000"/>
-                </a:solidFill>
-                <a:latin typeface="Consolas" charset="0"/>
-              </a:rPr>
-              <a:t>    </a:t>
-            </a:r>
-            <a:r>
-              <a:rPr lang="en-US" dirty="0" err="1">
-                <a:solidFill>
-                  <a:srgbClr val="000000"/>
-                </a:solidFill>
-                <a:latin typeface="Consolas" charset="0"/>
-              </a:rPr>
-              <a:t>self.age</a:t>
-            </a:r>
-            <a:r>
-              <a:rPr lang="en-US" dirty="0">
-                <a:solidFill>
-                  <a:srgbClr val="000000"/>
-                </a:solidFill>
-                <a:latin typeface="Consolas" charset="0"/>
-              </a:rPr>
-              <a:t> = age</a:t>
-            </a:r>
-            <a:r>
-              <a:rPr lang="en-US" dirty="0"/>
-              <a:t/>
-            </a:r>
-            <a:br>
-              <a:rPr lang="en-US" dirty="0"/>
-            </a:br>
-            <a:r>
-              <a:rPr lang="en-US" dirty="0"/>
-              <a:t/>
-            </a:r>
-            <a:br>
-              <a:rPr lang="en-US" dirty="0"/>
-            </a:br>
-            <a:r>
-              <a:rPr lang="en-US" dirty="0">
-                <a:solidFill>
-                  <a:srgbClr val="000000"/>
-                </a:solidFill>
-                <a:latin typeface="Consolas" charset="0"/>
-              </a:rPr>
-              <a:t>p1 = Person(</a:t>
-            </a:r>
-            <a:r>
-              <a:rPr lang="en-US" dirty="0">
-                <a:solidFill>
-                  <a:srgbClr val="A52A2A"/>
-                </a:solidFill>
-                <a:latin typeface="Consolas" charset="0"/>
-              </a:rPr>
-              <a:t>"John"</a:t>
-            </a:r>
-            <a:r>
-              <a:rPr lang="en-US" dirty="0">
-                <a:solidFill>
-                  <a:srgbClr val="000000"/>
-                </a:solidFill>
-                <a:latin typeface="Consolas" charset="0"/>
-              </a:rPr>
-              <a:t>, </a:t>
-            </a:r>
-            <a:r>
-              <a:rPr lang="en-US" dirty="0">
-                <a:solidFill>
-                  <a:srgbClr val="FF0000"/>
-                </a:solidFill>
-                <a:latin typeface="Consolas" charset="0"/>
-              </a:rPr>
-              <a:t>36</a:t>
-            </a:r>
-            <a:r>
-              <a:rPr lang="en-US" dirty="0">
-                <a:solidFill>
-                  <a:srgbClr val="000000"/>
-                </a:solidFill>
-                <a:latin typeface="Consolas" charset="0"/>
-              </a:rPr>
-              <a:t>)</a:t>
-            </a:r>
-            <a:r>
-              <a:rPr lang="en-US" dirty="0"/>
-              <a:t/>
-            </a:r>
-            <a:br>
-              <a:rPr lang="en-US" dirty="0"/>
-            </a:br>
-            <a:r>
-              <a:rPr lang="en-US" dirty="0"/>
-              <a:t/>
-            </a:r>
-            <a:br>
-              <a:rPr lang="en-US" dirty="0"/>
-            </a:br>
-            <a:r>
-              <a:rPr lang="en-US" dirty="0">
-                <a:solidFill>
-                  <a:srgbClr val="0000CD"/>
-                </a:solidFill>
-                <a:latin typeface="Consolas" charset="0"/>
-              </a:rPr>
-              <a:t>print</a:t>
-            </a:r>
-            <a:r>
-              <a:rPr lang="en-US" dirty="0">
-                <a:solidFill>
-                  <a:srgbClr val="000000"/>
-                </a:solidFill>
-                <a:latin typeface="Consolas" charset="0"/>
-              </a:rPr>
-              <a:t>(p1.name)</a:t>
-            </a:r>
-            <a:r>
-              <a:rPr lang="en-US" dirty="0"/>
-              <a:t/>
-            </a:r>
-            <a:br>
-              <a:rPr lang="en-US" dirty="0"/>
-            </a:br>
-            <a:r>
-              <a:rPr lang="en-US" dirty="0">
-                <a:solidFill>
-                  <a:srgbClr val="0000CD"/>
-                </a:solidFill>
-                <a:latin typeface="Consolas" charset="0"/>
-              </a:rPr>
-              <a:t>print</a:t>
-            </a:r>
-            <a:r>
-              <a:rPr lang="en-US" dirty="0">
-                <a:solidFill>
-                  <a:srgbClr val="000000"/>
-                </a:solidFill>
-                <a:latin typeface="Consolas" charset="0"/>
-              </a:rPr>
-              <a:t>(p1.age)</a:t>
-            </a:r>
-            <a:endParaRPr lang="en-US" dirty="0"/>
-          </a:p>
-        </p:txBody>
-      </p:sp>
-    </p:spTree>
-    <p:extLst>
-      <p:ext uri="{BB962C8B-B14F-4D97-AF65-F5344CB8AC3E}">
-        <p14:creationId xmlns:p14="http://schemas.microsoft.com/office/powerpoint/2010/main" val="117787678"/>
-      </p:ext>
-    </p:extLst>
-  </p:cSld>
-  <p:clrMapOvr>
-    <a:masterClrMapping/>
-  </p:clrMapOvr>
-</p:sld>
-</file>
-
-<file path=ppt/slides/slide8.xml><?xml version="1.0" encoding="utf-8"?>
-<p:sld xmlns:a="http://schemas.openxmlformats.org/drawingml/2006/main" xmlns:r="http://schemas.openxmlformats.org/officeDocument/2006/relationships" xmlns:p="http://schemas.openxmlformats.org/presentationml/2006/main">
-  <p:cSld>
-    <p:spTree>
-      <p:nvGrpSpPr>
-        <p:cNvPr id="1" name=""/>
-        <p:cNvGrpSpPr/>
-        <p:nvPr/>
-      </p:nvGrpSpPr>
-      <p:grpSpPr>
-        <a:xfrm>
-          <a:off x="0" y="0"/>
-          <a:ext cx="0" cy="0"/>
-          <a:chOff x="0" y="0"/>
-          <a:chExt cx="0" cy="0"/>
-        </a:xfrm>
-      </p:grpSpPr>
-      <p:sp>
-        <p:nvSpPr>
-          <p:cNvPr id="2" name="Title 1"/>
-          <p:cNvSpPr>
-            <a:spLocks noGrp="1"/>
-          </p:cNvSpPr>
-          <p:nvPr>
-            <p:ph type="title"/>
-          </p:nvPr>
-        </p:nvSpPr>
-        <p:spPr/>
-        <p:txBody>
-          <a:bodyPr/>
-          <a:lstStyle/>
-          <a:p>
-            <a:r>
-              <a:rPr lang="en-US" b="0" dirty="0"/>
-              <a:t>Object Methods</a:t>
-            </a:r>
-          </a:p>
-        </p:txBody>
-      </p:sp>
-      <p:sp>
-        <p:nvSpPr>
-          <p:cNvPr id="4" name="Rectangle 3"/>
-          <p:cNvSpPr/>
-          <p:nvPr/>
-        </p:nvSpPr>
-        <p:spPr>
-          <a:xfrm>
-            <a:off x="245165" y="2382222"/>
-            <a:ext cx="6353755" cy="1200329"/>
-          </a:xfrm>
-          <a:prstGeom prst="rect">
-            <a:avLst/>
-          </a:prstGeom>
-        </p:spPr>
-        <p:txBody>
-          <a:bodyPr wrap="square">
-            <a:spAutoFit/>
-          </a:bodyPr>
-          <a:lstStyle/>
-          <a:p>
-            <a:pPr marL="342900" indent="-342900">
-              <a:buFont typeface="Arial" charset="0"/>
-              <a:buChar char="•"/>
-            </a:pPr>
-            <a:r>
-              <a:rPr lang="en-US" sz="2400" dirty="0"/>
-              <a:t>Objects can also contain methods. Methods in objects are functions that belong to the object.</a:t>
-            </a:r>
-          </a:p>
-        </p:txBody>
-      </p:sp>
-      <p:pic>
-        <p:nvPicPr>
-          <p:cNvPr id="9" name="Picture 8"/>
-          <p:cNvPicPr>
-            <a:picLocks noChangeAspect="1"/>
-          </p:cNvPicPr>
-          <p:nvPr/>
-        </p:nvPicPr>
-        <p:blipFill>
-          <a:blip r:embed="rId2"/>
-          <a:stretch>
-            <a:fillRect/>
-          </a:stretch>
-        </p:blipFill>
-        <p:spPr>
-          <a:xfrm>
-            <a:off x="10278402" y="51740"/>
-            <a:ext cx="1906955" cy="949959"/>
-          </a:xfrm>
-          <a:prstGeom prst="rect">
-            <a:avLst/>
-          </a:prstGeom>
-        </p:spPr>
-      </p:pic>
-      <p:sp>
-        <p:nvSpPr>
           <p:cNvPr id="3" name="Rectangle 2"/>
           <p:cNvSpPr/>
           <p:nvPr/>
@@ -10478,7 +9575,7 @@
 </p:sld>
 </file>
 
-<file path=ppt/slides/slide9.xml><?xml version="1.0" encoding="utf-8"?>
+<file path=ppt/slides/slide8.xml><?xml version="1.0" encoding="utf-8"?>
 <p:sld xmlns:a="http://schemas.openxmlformats.org/drawingml/2006/main" xmlns:r="http://schemas.openxmlformats.org/officeDocument/2006/relationships" xmlns:p="http://schemas.openxmlformats.org/presentationml/2006/main">
   <p:cSld>
     <p:spTree>

--- a/lec06/lec06.pptx
+++ b/lec06/lec06.pptx
@@ -6166,7 +6166,7 @@
           <a:lstStyle/>
           <a:p>
             <a:r>
-              <a:rPr lang="en-US"/>
+              <a:rPr lang="en-US" dirty="0"/>
               <a:t>https://</a:t>
             </a:r>
             <a:r>
@@ -6198,6 +6198,13 @@
   <p:clrMapOvr>
     <a:masterClrMapping/>
   </p:clrMapOvr>
+  <p:timing>
+    <p:tnLst>
+      <p:par>
+        <p:cTn id="1" dur="indefinite" restart="never" nodeType="tmRoot"/>
+      </p:par>
+    </p:tnLst>
+  </p:timing>
 </p:sld>
 </file>
 
@@ -6612,6 +6619,13 @@
   <p:clrMapOvr>
     <a:masterClrMapping/>
   </p:clrMapOvr>
+  <p:timing>
+    <p:tnLst>
+      <p:par>
+        <p:cTn id="1" dur="indefinite" restart="never" nodeType="tmRoot"/>
+      </p:par>
+    </p:tnLst>
+  </p:timing>
 </p:sld>
 </file>
 
@@ -7346,6 +7360,49 @@
           </a:prstGeom>
         </p:spPr>
       </p:pic>
+      <p:sp>
+        <p:nvSpPr>
+          <p:cNvPr id="3" name="Rectangle 2"/>
+          <p:cNvSpPr/>
+          <p:nvPr/>
+        </p:nvSpPr>
+        <p:spPr>
+          <a:xfrm>
+            <a:off x="7452360" y="3538793"/>
+            <a:ext cx="2717411" cy="369332"/>
+          </a:xfrm>
+          <a:prstGeom prst="rect">
+            <a:avLst/>
+          </a:prstGeom>
+        </p:spPr>
+        <p:txBody>
+          <a:bodyPr wrap="none">
+            <a:spAutoFit/>
+          </a:bodyPr>
+          <a:lstStyle/>
+          <a:p>
+            <a:r>
+              <a:rPr lang="en-US" dirty="0" err="1">
+                <a:solidFill>
+                  <a:srgbClr val="000000"/>
+                </a:solidFill>
+                <a:latin typeface="Consolas" charset="0"/>
+              </a:rPr>
+              <a:t>my_function</a:t>
+            </a:r>
+            <a:r>
+              <a:rPr lang="en-US" dirty="0" smtClean="0">
+                <a:solidFill>
+                  <a:srgbClr val="000000"/>
+                </a:solidFill>
+                <a:latin typeface="Consolas" charset="0"/>
+              </a:rPr>
+              <a:t>(“Alice”)</a:t>
+            </a:r>
+            <a:endParaRPr lang="en-US" dirty="0"/>
+          </a:p>
+        </p:txBody>
+      </p:sp>
     </p:spTree>
     <p:extLst>
       <p:ext uri="{BB962C8B-B14F-4D97-AF65-F5344CB8AC3E}">
@@ -7356,6 +7413,13 @@
   <p:clrMapOvr>
     <a:masterClrMapping/>
   </p:clrMapOvr>
+  <p:timing>
+    <p:tnLst>
+      <p:par>
+        <p:cTn id="1" dur="indefinite" restart="never" nodeType="tmRoot"/>
+      </p:par>
+    </p:tnLst>
+  </p:timing>
 </p:sld>
 </file>
 
@@ -8139,6 +8203,13 @@
   <p:clrMapOvr>
     <a:masterClrMapping/>
   </p:clrMapOvr>
+  <p:timing>
+    <p:tnLst>
+      <p:par>
+        <p:cTn id="1" dur="indefinite" restart="never" nodeType="tmRoot"/>
+      </p:par>
+    </p:tnLst>
+  </p:timing>
 </p:sld>
 </file>
 
@@ -8533,6 +8604,112 @@
           </a:p>
         </p:txBody>
       </p:sp>
+      <p:sp>
+        <p:nvSpPr>
+          <p:cNvPr id="5" name="TextBox 4"/>
+          <p:cNvSpPr txBox="1"/>
+          <p:nvPr/>
+        </p:nvSpPr>
+        <p:spPr>
+          <a:xfrm>
+            <a:off x="6863964" y="2807126"/>
+            <a:ext cx="1231427" cy="369332"/>
+          </a:xfrm>
+          <a:prstGeom prst="rect">
+            <a:avLst/>
+          </a:prstGeom>
+          <a:noFill/>
+        </p:spPr>
+        <p:txBody>
+          <a:bodyPr wrap="none" rtlCol="0">
+            <a:spAutoFit/>
+          </a:bodyPr>
+          <a:lstStyle/>
+          <a:p>
+            <a:r>
+              <a:rPr lang="en-US" b="1" dirty="0" smtClean="0">
+                <a:solidFill>
+                  <a:srgbClr val="FF0000"/>
+                </a:solidFill>
+              </a:rPr>
+              <a:t>attributes</a:t>
+            </a:r>
+            <a:endParaRPr lang="en-US" b="1" dirty="0">
+              <a:solidFill>
+                <a:srgbClr val="FF0000"/>
+              </a:solidFill>
+            </a:endParaRPr>
+          </a:p>
+        </p:txBody>
+      </p:sp>
+      <p:cxnSp>
+        <p:nvCxnSpPr>
+          <p:cNvPr id="12" name="Straight Arrow Connector 11"/>
+          <p:cNvCxnSpPr>
+            <a:stCxn id="5" idx="3"/>
+          </p:cNvCxnSpPr>
+          <p:nvPr/>
+        </p:nvCxnSpPr>
+        <p:spPr>
+          <a:xfrm>
+            <a:off x="8095391" y="2991792"/>
+            <a:ext cx="774289" cy="0"/>
+          </a:xfrm>
+          <a:prstGeom prst="straightConnector1">
+            <a:avLst/>
+          </a:prstGeom>
+          <a:ln w="41275">
+            <a:tailEnd type="triangle"/>
+          </a:ln>
+        </p:spPr>
+        <p:style>
+          <a:lnRef idx="1">
+            <a:schemeClr val="accent3"/>
+          </a:lnRef>
+          <a:fillRef idx="0">
+            <a:schemeClr val="accent3"/>
+          </a:fillRef>
+          <a:effectRef idx="0">
+            <a:schemeClr val="accent3"/>
+          </a:effectRef>
+          <a:fontRef idx="minor">
+            <a:schemeClr val="tx1"/>
+          </a:fontRef>
+        </p:style>
+      </p:cxnSp>
+      <p:sp>
+        <p:nvSpPr>
+          <p:cNvPr id="7" name="Rectangle 6"/>
+          <p:cNvSpPr/>
+          <p:nvPr/>
+        </p:nvSpPr>
+        <p:spPr>
+          <a:xfrm>
+            <a:off x="5972410" y="3831747"/>
+            <a:ext cx="2380780" cy="369332"/>
+          </a:xfrm>
+          <a:prstGeom prst="rect">
+            <a:avLst/>
+          </a:prstGeom>
+        </p:spPr>
+        <p:txBody>
+          <a:bodyPr wrap="none">
+            <a:spAutoFit/>
+          </a:bodyPr>
+          <a:lstStyle/>
+          <a:p>
+            <a:r>
+              <a:rPr lang="en-US">
+                <a:solidFill>
+                  <a:srgbClr val="880000"/>
+                </a:solidFill>
+              </a:rPr>
+              <a:t>instantiate the class</a:t>
+            </a:r>
+            <a:endParaRPr lang="en-US"/>
+          </a:p>
+        </p:txBody>
+      </p:sp>
     </p:spTree>
     <p:extLst>
       <p:ext uri="{BB962C8B-B14F-4D97-AF65-F5344CB8AC3E}">
@@ -8543,6 +8720,13 @@
   <p:clrMapOvr>
     <a:masterClrMapping/>
   </p:clrMapOvr>
+  <p:timing>
+    <p:tnLst>
+      <p:par>
+        <p:cTn id="1" dur="indefinite" restart="never" nodeType="tmRoot"/>
+      </p:par>
+    </p:tnLst>
+  </p:timing>
 </p:sld>
 </file>
 
@@ -8995,6 +9179,13 @@
   <p:clrMapOvr>
     <a:masterClrMapping/>
   </p:clrMapOvr>
+  <p:timing>
+    <p:tnLst>
+      <p:par>
+        <p:cTn id="1" dur="indefinite" restart="never" nodeType="tmRoot"/>
+      </p:par>
+    </p:tnLst>
+  </p:timing>
 </p:sld>
 </file>
 
@@ -9572,6 +9763,13 @@
   <p:clrMapOvr>
     <a:masterClrMapping/>
   </p:clrMapOvr>
+  <p:timing>
+    <p:tnLst>
+      <p:par>
+        <p:cTn id="1" dur="indefinite" restart="never" nodeType="tmRoot"/>
+      </p:par>
+    </p:tnLst>
+  </p:timing>
 </p:sld>
 </file>
 
@@ -9998,6 +10196,13 @@
   <p:clrMapOvr>
     <a:masterClrMapping/>
   </p:clrMapOvr>
+  <p:timing>
+    <p:tnLst>
+      <p:par>
+        <p:cTn id="1" dur="indefinite" restart="never" nodeType="tmRoot"/>
+      </p:par>
+    </p:tnLst>
+  </p:timing>
 </p:sld>
 </file>
 
